--- a/Images/画像作成用.pptx
+++ b/Images/画像作成用.pptx
@@ -2,12 +2,12 @@
 <file path=ppt/presentation.xml><?xml version="1.0" encoding="utf-8"?>
 <p:presentation xmlns:a="http://schemas.openxmlformats.org/drawingml/2006/main" xmlns:r="http://schemas.openxmlformats.org/officeDocument/2006/relationships" xmlns:p="http://schemas.openxmlformats.org/presentationml/2006/main" saveSubsetFonts="1" autoCompressPictures="0">
   <p:sldMasterIdLst>
-    <p:sldMasterId id="2147483648" r:id="rId1"/>
+    <p:sldMasterId id="2147483660" r:id="rId1"/>
   </p:sldMasterIdLst>
   <p:sldIdLst>
     <p:sldId id="256" r:id="rId2"/>
   </p:sldIdLst>
-  <p:sldSz cx="12192000" cy="6858000"/>
+  <p:sldSz cx="9944100" cy="21528088"/>
   <p:notesSz cx="6858000" cy="9144000"/>
   <p:defaultTextStyle>
     <a:defPPr>
@@ -104,6 +104,11 @@
       </a:defRPr>
     </a:lvl9pPr>
   </p:defaultTextStyle>
+  <p:extLst>
+    <p:ext uri="{EFAFB233-063F-42B5-8137-9DF3F51BA10A}">
+      <p15:sldGuideLst xmlns:p15="http://schemas.microsoft.com/office/powerpoint/2012/main"/>
+    </p:ext>
+  </p:extLst>
 </p:presentation>
 </file>
 
@@ -126,13 +131,7 @@
       </p:grpSpPr>
       <p:sp>
         <p:nvSpPr>
-          <p:cNvPr id="2" name="タイトル 1">
-            <a:extLst>
-              <a:ext uri="{FF2B5EF4-FFF2-40B4-BE49-F238E27FC236}">
-                <a16:creationId xmlns:a16="http://schemas.microsoft.com/office/drawing/2014/main" id="{FEA359B1-6441-7547-B171-F91963762742}"/>
-              </a:ext>
-            </a:extLst>
-          </p:cNvPr>
+          <p:cNvPr id="2" name="Title 1"/>
           <p:cNvSpPr>
             <a:spLocks noGrp="1"/>
           </p:cNvSpPr>
@@ -142,34 +141,29 @@
         </p:nvSpPr>
         <p:spPr>
           <a:xfrm>
-            <a:off x="1524000" y="1122363"/>
-            <a:ext cx="9144000" cy="2387600"/>
+            <a:off x="745808" y="3523233"/>
+            <a:ext cx="8452485" cy="7494964"/>
           </a:xfrm>
         </p:spPr>
         <p:txBody>
           <a:bodyPr anchor="b"/>
           <a:lstStyle>
             <a:lvl1pPr algn="ctr">
-              <a:defRPr sz="6000"/>
+              <a:defRPr sz="6525"/>
             </a:lvl1pPr>
           </a:lstStyle>
           <a:p>
             <a:r>
-              <a:rPr kumimoji="1" lang="ja-JP" altLang="en-US"/>
+              <a:rPr lang="ja-JP" altLang="en-US"/>
               <a:t>マスター タイトルの書式設定</a:t>
             </a:r>
-          </a:p>
-        </p:txBody>
-      </p:sp>
-      <p:sp>
-        <p:nvSpPr>
-          <p:cNvPr id="3" name="字幕 2">
-            <a:extLst>
-              <a:ext uri="{FF2B5EF4-FFF2-40B4-BE49-F238E27FC236}">
-                <a16:creationId xmlns:a16="http://schemas.microsoft.com/office/drawing/2014/main" id="{6B21B195-71D7-284F-904C-B6B06A56E480}"/>
-              </a:ext>
-            </a:extLst>
-          </p:cNvPr>
+            <a:endParaRPr lang="en-US" dirty="0"/>
+          </a:p>
+        </p:txBody>
+      </p:sp>
+      <p:sp>
+        <p:nvSpPr>
+          <p:cNvPr id="3" name="Subtitle 2"/>
           <p:cNvSpPr>
             <a:spLocks noGrp="1"/>
           </p:cNvSpPr>
@@ -179,8 +173,8 @@
         </p:nvSpPr>
         <p:spPr>
           <a:xfrm>
-            <a:off x="1524000" y="3602038"/>
-            <a:ext cx="9144000" cy="1655762"/>
+            <a:off x="1243013" y="11307231"/>
+            <a:ext cx="7458075" cy="5197636"/>
           </a:xfrm>
         </p:spPr>
         <p:txBody>
@@ -188,58 +182,53 @@
           <a:lstStyle>
             <a:lvl1pPr marL="0" indent="0" algn="ctr">
               <a:buNone/>
-              <a:defRPr sz="2400"/>
+              <a:defRPr sz="2610"/>
             </a:lvl1pPr>
-            <a:lvl2pPr marL="457200" indent="0" algn="ctr">
-              <a:buNone/>
-              <a:defRPr sz="2000"/>
+            <a:lvl2pPr marL="497205" indent="0" algn="ctr">
+              <a:buNone/>
+              <a:defRPr sz="2175"/>
             </a:lvl2pPr>
-            <a:lvl3pPr marL="914400" indent="0" algn="ctr">
-              <a:buNone/>
-              <a:defRPr sz="1800"/>
+            <a:lvl3pPr marL="994410" indent="0" algn="ctr">
+              <a:buNone/>
+              <a:defRPr sz="1958"/>
             </a:lvl3pPr>
-            <a:lvl4pPr marL="1371600" indent="0" algn="ctr">
-              <a:buNone/>
-              <a:defRPr sz="1600"/>
+            <a:lvl4pPr marL="1491615" indent="0" algn="ctr">
+              <a:buNone/>
+              <a:defRPr sz="1740"/>
             </a:lvl4pPr>
-            <a:lvl5pPr marL="1828800" indent="0" algn="ctr">
-              <a:buNone/>
-              <a:defRPr sz="1600"/>
+            <a:lvl5pPr marL="1988820" indent="0" algn="ctr">
+              <a:buNone/>
+              <a:defRPr sz="1740"/>
             </a:lvl5pPr>
-            <a:lvl6pPr marL="2286000" indent="0" algn="ctr">
-              <a:buNone/>
-              <a:defRPr sz="1600"/>
+            <a:lvl6pPr marL="2486025" indent="0" algn="ctr">
+              <a:buNone/>
+              <a:defRPr sz="1740"/>
             </a:lvl6pPr>
-            <a:lvl7pPr marL="2743200" indent="0" algn="ctr">
-              <a:buNone/>
-              <a:defRPr sz="1600"/>
+            <a:lvl7pPr marL="2983230" indent="0" algn="ctr">
+              <a:buNone/>
+              <a:defRPr sz="1740"/>
             </a:lvl7pPr>
-            <a:lvl8pPr marL="3200400" indent="0" algn="ctr">
-              <a:buNone/>
-              <a:defRPr sz="1600"/>
+            <a:lvl8pPr marL="3480435" indent="0" algn="ctr">
+              <a:buNone/>
+              <a:defRPr sz="1740"/>
             </a:lvl8pPr>
-            <a:lvl9pPr marL="3657600" indent="0" algn="ctr">
-              <a:buNone/>
-              <a:defRPr sz="1600"/>
+            <a:lvl9pPr marL="3977640" indent="0" algn="ctr">
+              <a:buNone/>
+              <a:defRPr sz="1740"/>
             </a:lvl9pPr>
           </a:lstStyle>
           <a:p>
             <a:r>
-              <a:rPr kumimoji="1" lang="ja-JP" altLang="en-US"/>
+              <a:rPr lang="ja-JP" altLang="en-US"/>
               <a:t>マスター サブタイトルの書式設定</a:t>
             </a:r>
-          </a:p>
-        </p:txBody>
-      </p:sp>
-      <p:sp>
-        <p:nvSpPr>
-          <p:cNvPr id="4" name="日付プレースホルダー 3">
-            <a:extLst>
-              <a:ext uri="{FF2B5EF4-FFF2-40B4-BE49-F238E27FC236}">
-                <a16:creationId xmlns:a16="http://schemas.microsoft.com/office/drawing/2014/main" id="{DA9664C4-1EB2-944E-B516-330BFB8A8CE4}"/>
-              </a:ext>
-            </a:extLst>
-          </p:cNvPr>
+            <a:endParaRPr lang="en-US" dirty="0"/>
+          </a:p>
+        </p:txBody>
+      </p:sp>
+      <p:sp>
+        <p:nvSpPr>
+          <p:cNvPr id="4" name="Date Placeholder 3"/>
           <p:cNvSpPr>
             <a:spLocks noGrp="1"/>
           </p:cNvSpPr>
@@ -254,7 +243,7 @@
           <a:p>
             <a:fld id="{4181B4E1-E239-CB4B-9B56-04666A137A9E}" type="datetimeFigureOut">
               <a:rPr kumimoji="1" lang="ja-JP" altLang="en-US" smtClean="0"/>
-              <a:t>2019/9/12</a:t>
+              <a:t>2019/10/1</a:t>
             </a:fld>
             <a:endParaRPr kumimoji="1" lang="ja-JP" altLang="en-US"/>
           </a:p>
@@ -262,13 +251,7 @@
       </p:sp>
       <p:sp>
         <p:nvSpPr>
-          <p:cNvPr id="5" name="フッター プレースホルダー 4">
-            <a:extLst>
-              <a:ext uri="{FF2B5EF4-FFF2-40B4-BE49-F238E27FC236}">
-                <a16:creationId xmlns:a16="http://schemas.microsoft.com/office/drawing/2014/main" id="{C02B0DF3-574C-A249-BE06-DC6B76EF4515}"/>
-              </a:ext>
-            </a:extLst>
-          </p:cNvPr>
+          <p:cNvPr id="5" name="Footer Placeholder 4"/>
           <p:cNvSpPr>
             <a:spLocks noGrp="1"/>
           </p:cNvSpPr>
@@ -287,13 +270,7 @@
       </p:sp>
       <p:sp>
         <p:nvSpPr>
-          <p:cNvPr id="6" name="スライド番号プレースホルダー 5">
-            <a:extLst>
-              <a:ext uri="{FF2B5EF4-FFF2-40B4-BE49-F238E27FC236}">
-                <a16:creationId xmlns:a16="http://schemas.microsoft.com/office/drawing/2014/main" id="{299D6475-24CF-7642-BDAA-190B37872F55}"/>
-              </a:ext>
-            </a:extLst>
-          </p:cNvPr>
+          <p:cNvPr id="6" name="Slide Number Placeholder 5"/>
           <p:cNvSpPr>
             <a:spLocks noGrp="1"/>
           </p:cNvSpPr>
@@ -317,7 +294,7 @@
     </p:spTree>
     <p:extLst>
       <p:ext uri="{BB962C8B-B14F-4D97-AF65-F5344CB8AC3E}">
-        <p14:creationId xmlns:p14="http://schemas.microsoft.com/office/powerpoint/2010/main" val="3863592113"/>
+        <p14:creationId xmlns:p14="http://schemas.microsoft.com/office/powerpoint/2010/main" val="4007897128"/>
       </p:ext>
     </p:extLst>
   </p:cSld>
@@ -346,13 +323,7 @@
       </p:grpSpPr>
       <p:sp>
         <p:nvSpPr>
-          <p:cNvPr id="2" name="タイトル 1">
-            <a:extLst>
-              <a:ext uri="{FF2B5EF4-FFF2-40B4-BE49-F238E27FC236}">
-                <a16:creationId xmlns:a16="http://schemas.microsoft.com/office/drawing/2014/main" id="{877E1472-9870-FF4F-9199-09C3B2E79CE6}"/>
-              </a:ext>
-            </a:extLst>
-          </p:cNvPr>
+          <p:cNvPr id="2" name="Title 1"/>
           <p:cNvSpPr>
             <a:spLocks noGrp="1"/>
           </p:cNvSpPr>
@@ -366,21 +337,16 @@
           <a:lstStyle/>
           <a:p>
             <a:r>
-              <a:rPr kumimoji="1" lang="ja-JP" altLang="en-US"/>
+              <a:rPr lang="ja-JP" altLang="en-US"/>
               <a:t>マスター タイトルの書式設定</a:t>
             </a:r>
-          </a:p>
-        </p:txBody>
-      </p:sp>
-      <p:sp>
-        <p:nvSpPr>
-          <p:cNvPr id="3" name="縦書きテキスト プレースホルダー 2">
-            <a:extLst>
-              <a:ext uri="{FF2B5EF4-FFF2-40B4-BE49-F238E27FC236}">
-                <a16:creationId xmlns:a16="http://schemas.microsoft.com/office/drawing/2014/main" id="{1541D278-4108-E94A-851C-080AF6DEF148}"/>
-              </a:ext>
-            </a:extLst>
-          </p:cNvPr>
+            <a:endParaRPr lang="en-US" dirty="0"/>
+          </a:p>
+        </p:txBody>
+      </p:sp>
+      <p:sp>
+        <p:nvSpPr>
+          <p:cNvPr id="3" name="Vertical Text Placeholder 2"/>
           <p:cNvSpPr>
             <a:spLocks noGrp="1"/>
           </p:cNvSpPr>
@@ -393,58 +359,54 @@
           <a:bodyPr vert="eaVert"/>
           <a:lstStyle/>
           <a:p>
-            <a:r>
-              <a:rPr kumimoji="1" lang="ja-JP" altLang="en-US"/>
+            <a:pPr lvl="0"/>
+            <a:r>
+              <a:rPr lang="ja-JP" altLang="en-US"/>
               <a:t>マスター テキストの書式設定
 第 </a:t>
             </a:r>
             <a:r>
-              <a:rPr kumimoji="1" lang="en-US" altLang="ja-JP"/>
+              <a:rPr lang="en-US" altLang="ja-JP"/>
               <a:t>2 </a:t>
             </a:r>
             <a:r>
-              <a:rPr kumimoji="1" lang="ja-JP" altLang="en-US"/>
-              <a:t>レベル
-第 </a:t>
-            </a:r>
-            <a:r>
-              <a:rPr kumimoji="1" lang="en-US" altLang="ja-JP"/>
+              <a:rPr lang="ja-JP" altLang="en-US"/>
+              <a:t>レベル
+第 </a:t>
+            </a:r>
+            <a:r>
+              <a:rPr lang="en-US" altLang="ja-JP"/>
               <a:t>3 </a:t>
             </a:r>
             <a:r>
-              <a:rPr kumimoji="1" lang="ja-JP" altLang="en-US"/>
-              <a:t>レベル
-第 </a:t>
-            </a:r>
-            <a:r>
-              <a:rPr kumimoji="1" lang="en-US" altLang="ja-JP"/>
+              <a:rPr lang="ja-JP" altLang="en-US"/>
+              <a:t>レベル
+第 </a:t>
+            </a:r>
+            <a:r>
+              <a:rPr lang="en-US" altLang="ja-JP"/>
               <a:t>4 </a:t>
             </a:r>
             <a:r>
-              <a:rPr kumimoji="1" lang="ja-JP" altLang="en-US"/>
-              <a:t>レベル
-第 </a:t>
-            </a:r>
-            <a:r>
-              <a:rPr kumimoji="1" lang="en-US" altLang="ja-JP"/>
+              <a:rPr lang="ja-JP" altLang="en-US"/>
+              <a:t>レベル
+第 </a:t>
+            </a:r>
+            <a:r>
+              <a:rPr lang="en-US" altLang="ja-JP"/>
               <a:t>5 </a:t>
             </a:r>
             <a:r>
-              <a:rPr kumimoji="1" lang="ja-JP" altLang="en-US"/>
+              <a:rPr lang="ja-JP" altLang="en-US"/>
               <a:t>レベル</a:t>
             </a:r>
-          </a:p>
-        </p:txBody>
-      </p:sp>
-      <p:sp>
-        <p:nvSpPr>
-          <p:cNvPr id="4" name="日付プレースホルダー 3">
-            <a:extLst>
-              <a:ext uri="{FF2B5EF4-FFF2-40B4-BE49-F238E27FC236}">
-                <a16:creationId xmlns:a16="http://schemas.microsoft.com/office/drawing/2014/main" id="{A8F71DB6-85ED-6E47-A953-EBA273FF5BA9}"/>
-              </a:ext>
-            </a:extLst>
-          </p:cNvPr>
+            <a:endParaRPr lang="en-US" dirty="0"/>
+          </a:p>
+        </p:txBody>
+      </p:sp>
+      <p:sp>
+        <p:nvSpPr>
+          <p:cNvPr id="4" name="Date Placeholder 3"/>
           <p:cNvSpPr>
             <a:spLocks noGrp="1"/>
           </p:cNvSpPr>
@@ -459,7 +421,7 @@
           <a:p>
             <a:fld id="{4181B4E1-E239-CB4B-9B56-04666A137A9E}" type="datetimeFigureOut">
               <a:rPr kumimoji="1" lang="ja-JP" altLang="en-US" smtClean="0"/>
-              <a:t>2019/9/12</a:t>
+              <a:t>2019/10/1</a:t>
             </a:fld>
             <a:endParaRPr kumimoji="1" lang="ja-JP" altLang="en-US"/>
           </a:p>
@@ -467,13 +429,7 @@
       </p:sp>
       <p:sp>
         <p:nvSpPr>
-          <p:cNvPr id="5" name="フッター プレースホルダー 4">
-            <a:extLst>
-              <a:ext uri="{FF2B5EF4-FFF2-40B4-BE49-F238E27FC236}">
-                <a16:creationId xmlns:a16="http://schemas.microsoft.com/office/drawing/2014/main" id="{BA0EECB1-204B-7546-A3AD-9FEEB1833424}"/>
-              </a:ext>
-            </a:extLst>
-          </p:cNvPr>
+          <p:cNvPr id="5" name="Footer Placeholder 4"/>
           <p:cNvSpPr>
             <a:spLocks noGrp="1"/>
           </p:cNvSpPr>
@@ -492,13 +448,7 @@
       </p:sp>
       <p:sp>
         <p:nvSpPr>
-          <p:cNvPr id="6" name="スライド番号プレースホルダー 5">
-            <a:extLst>
-              <a:ext uri="{FF2B5EF4-FFF2-40B4-BE49-F238E27FC236}">
-                <a16:creationId xmlns:a16="http://schemas.microsoft.com/office/drawing/2014/main" id="{6A902446-5CF0-D64D-8313-D165BE14C58F}"/>
-              </a:ext>
-            </a:extLst>
-          </p:cNvPr>
+          <p:cNvPr id="6" name="Slide Number Placeholder 5"/>
           <p:cNvSpPr>
             <a:spLocks noGrp="1"/>
           </p:cNvSpPr>
@@ -522,7 +472,7 @@
     </p:spTree>
     <p:extLst>
       <p:ext uri="{BB962C8B-B14F-4D97-AF65-F5344CB8AC3E}">
-        <p14:creationId xmlns:p14="http://schemas.microsoft.com/office/powerpoint/2010/main" val="2846649066"/>
+        <p14:creationId xmlns:p14="http://schemas.microsoft.com/office/powerpoint/2010/main" val="863980286"/>
       </p:ext>
     </p:extLst>
   </p:cSld>
@@ -551,13 +501,7 @@
       </p:grpSpPr>
       <p:sp>
         <p:nvSpPr>
-          <p:cNvPr id="2" name="縦書きタイトル 1">
-            <a:extLst>
-              <a:ext uri="{FF2B5EF4-FFF2-40B4-BE49-F238E27FC236}">
-                <a16:creationId xmlns:a16="http://schemas.microsoft.com/office/drawing/2014/main" id="{6BC93A24-8D85-5C44-85B5-D73F61FA7AF5}"/>
-              </a:ext>
-            </a:extLst>
-          </p:cNvPr>
+          <p:cNvPr id="2" name="Vertical Title 1"/>
           <p:cNvSpPr>
             <a:spLocks noGrp="1"/>
           </p:cNvSpPr>
@@ -567,8 +511,8 @@
         </p:nvSpPr>
         <p:spPr>
           <a:xfrm>
-            <a:off x="8724900" y="365125"/>
-            <a:ext cx="2628900" cy="5811838"/>
+            <a:off x="7116247" y="1146172"/>
+            <a:ext cx="2144197" cy="18244059"/>
           </a:xfrm>
         </p:spPr>
         <p:txBody>
@@ -576,21 +520,16 @@
           <a:lstStyle/>
           <a:p>
             <a:r>
-              <a:rPr kumimoji="1" lang="ja-JP" altLang="en-US"/>
+              <a:rPr lang="ja-JP" altLang="en-US"/>
               <a:t>マスター タイトルの書式設定</a:t>
             </a:r>
-          </a:p>
-        </p:txBody>
-      </p:sp>
-      <p:sp>
-        <p:nvSpPr>
-          <p:cNvPr id="3" name="縦書きテキスト プレースホルダー 2">
-            <a:extLst>
-              <a:ext uri="{FF2B5EF4-FFF2-40B4-BE49-F238E27FC236}">
-                <a16:creationId xmlns:a16="http://schemas.microsoft.com/office/drawing/2014/main" id="{DB8BB154-A470-BC44-B1D2-486F32624554}"/>
-              </a:ext>
-            </a:extLst>
-          </p:cNvPr>
+            <a:endParaRPr lang="en-US" dirty="0"/>
+          </a:p>
+        </p:txBody>
+      </p:sp>
+      <p:sp>
+        <p:nvSpPr>
+          <p:cNvPr id="3" name="Vertical Text Placeholder 2"/>
           <p:cNvSpPr>
             <a:spLocks noGrp="1"/>
           </p:cNvSpPr>
@@ -600,66 +539,62 @@
         </p:nvSpPr>
         <p:spPr>
           <a:xfrm>
-            <a:off x="838200" y="365125"/>
-            <a:ext cx="7734300" cy="5811838"/>
+            <a:off x="683658" y="1146172"/>
+            <a:ext cx="6308288" cy="18244059"/>
           </a:xfrm>
         </p:spPr>
         <p:txBody>
           <a:bodyPr vert="eaVert"/>
           <a:lstStyle/>
           <a:p>
-            <a:r>
-              <a:rPr kumimoji="1" lang="ja-JP" altLang="en-US"/>
+            <a:pPr lvl="0"/>
+            <a:r>
+              <a:rPr lang="ja-JP" altLang="en-US"/>
               <a:t>マスター テキストの書式設定
 第 </a:t>
             </a:r>
             <a:r>
-              <a:rPr kumimoji="1" lang="en-US" altLang="ja-JP"/>
+              <a:rPr lang="en-US" altLang="ja-JP"/>
               <a:t>2 </a:t>
             </a:r>
             <a:r>
-              <a:rPr kumimoji="1" lang="ja-JP" altLang="en-US"/>
-              <a:t>レベル
-第 </a:t>
-            </a:r>
-            <a:r>
-              <a:rPr kumimoji="1" lang="en-US" altLang="ja-JP"/>
+              <a:rPr lang="ja-JP" altLang="en-US"/>
+              <a:t>レベル
+第 </a:t>
+            </a:r>
+            <a:r>
+              <a:rPr lang="en-US" altLang="ja-JP"/>
               <a:t>3 </a:t>
             </a:r>
             <a:r>
-              <a:rPr kumimoji="1" lang="ja-JP" altLang="en-US"/>
-              <a:t>レベル
-第 </a:t>
-            </a:r>
-            <a:r>
-              <a:rPr kumimoji="1" lang="en-US" altLang="ja-JP"/>
+              <a:rPr lang="ja-JP" altLang="en-US"/>
+              <a:t>レベル
+第 </a:t>
+            </a:r>
+            <a:r>
+              <a:rPr lang="en-US" altLang="ja-JP"/>
               <a:t>4 </a:t>
             </a:r>
             <a:r>
-              <a:rPr kumimoji="1" lang="ja-JP" altLang="en-US"/>
-              <a:t>レベル
-第 </a:t>
-            </a:r>
-            <a:r>
-              <a:rPr kumimoji="1" lang="en-US" altLang="ja-JP"/>
+              <a:rPr lang="ja-JP" altLang="en-US"/>
+              <a:t>レベル
+第 </a:t>
+            </a:r>
+            <a:r>
+              <a:rPr lang="en-US" altLang="ja-JP"/>
               <a:t>5 </a:t>
             </a:r>
             <a:r>
-              <a:rPr kumimoji="1" lang="ja-JP" altLang="en-US"/>
+              <a:rPr lang="ja-JP" altLang="en-US"/>
               <a:t>レベル</a:t>
             </a:r>
-          </a:p>
-        </p:txBody>
-      </p:sp>
-      <p:sp>
-        <p:nvSpPr>
-          <p:cNvPr id="4" name="日付プレースホルダー 3">
-            <a:extLst>
-              <a:ext uri="{FF2B5EF4-FFF2-40B4-BE49-F238E27FC236}">
-                <a16:creationId xmlns:a16="http://schemas.microsoft.com/office/drawing/2014/main" id="{786B93A0-4136-2C48-984F-6C0FFDAAEEC0}"/>
-              </a:ext>
-            </a:extLst>
-          </p:cNvPr>
+            <a:endParaRPr lang="en-US" dirty="0"/>
+          </a:p>
+        </p:txBody>
+      </p:sp>
+      <p:sp>
+        <p:nvSpPr>
+          <p:cNvPr id="4" name="Date Placeholder 3"/>
           <p:cNvSpPr>
             <a:spLocks noGrp="1"/>
           </p:cNvSpPr>
@@ -674,7 +609,7 @@
           <a:p>
             <a:fld id="{4181B4E1-E239-CB4B-9B56-04666A137A9E}" type="datetimeFigureOut">
               <a:rPr kumimoji="1" lang="ja-JP" altLang="en-US" smtClean="0"/>
-              <a:t>2019/9/12</a:t>
+              <a:t>2019/10/1</a:t>
             </a:fld>
             <a:endParaRPr kumimoji="1" lang="ja-JP" altLang="en-US"/>
           </a:p>
@@ -682,13 +617,7 @@
       </p:sp>
       <p:sp>
         <p:nvSpPr>
-          <p:cNvPr id="5" name="フッター プレースホルダー 4">
-            <a:extLst>
-              <a:ext uri="{FF2B5EF4-FFF2-40B4-BE49-F238E27FC236}">
-                <a16:creationId xmlns:a16="http://schemas.microsoft.com/office/drawing/2014/main" id="{BB76C917-92A4-6E4D-90EC-8CD8F9D9514C}"/>
-              </a:ext>
-            </a:extLst>
-          </p:cNvPr>
+          <p:cNvPr id="5" name="Footer Placeholder 4"/>
           <p:cNvSpPr>
             <a:spLocks noGrp="1"/>
           </p:cNvSpPr>
@@ -707,13 +636,7 @@
       </p:sp>
       <p:sp>
         <p:nvSpPr>
-          <p:cNvPr id="6" name="スライド番号プレースホルダー 5">
-            <a:extLst>
-              <a:ext uri="{FF2B5EF4-FFF2-40B4-BE49-F238E27FC236}">
-                <a16:creationId xmlns:a16="http://schemas.microsoft.com/office/drawing/2014/main" id="{A682B43E-5F79-0B49-9033-1932BE29777D}"/>
-              </a:ext>
-            </a:extLst>
-          </p:cNvPr>
+          <p:cNvPr id="6" name="Slide Number Placeholder 5"/>
           <p:cNvSpPr>
             <a:spLocks noGrp="1"/>
           </p:cNvSpPr>
@@ -737,7 +660,7 @@
     </p:spTree>
     <p:extLst>
       <p:ext uri="{BB962C8B-B14F-4D97-AF65-F5344CB8AC3E}">
-        <p14:creationId xmlns:p14="http://schemas.microsoft.com/office/powerpoint/2010/main" val="3656025878"/>
+        <p14:creationId xmlns:p14="http://schemas.microsoft.com/office/powerpoint/2010/main" val="744428970"/>
       </p:ext>
     </p:extLst>
   </p:cSld>
@@ -766,13 +689,7 @@
       </p:grpSpPr>
       <p:sp>
         <p:nvSpPr>
-          <p:cNvPr id="2" name="タイトル 1">
-            <a:extLst>
-              <a:ext uri="{FF2B5EF4-FFF2-40B4-BE49-F238E27FC236}">
-                <a16:creationId xmlns:a16="http://schemas.microsoft.com/office/drawing/2014/main" id="{41A1CB7C-B848-BB4F-AEAA-FCD128F39734}"/>
-              </a:ext>
-            </a:extLst>
-          </p:cNvPr>
+          <p:cNvPr id="2" name="Title 1"/>
           <p:cNvSpPr>
             <a:spLocks noGrp="1"/>
           </p:cNvSpPr>
@@ -786,21 +703,16 @@
           <a:lstStyle/>
           <a:p>
             <a:r>
-              <a:rPr kumimoji="1" lang="ja-JP" altLang="en-US"/>
+              <a:rPr lang="ja-JP" altLang="en-US"/>
               <a:t>マスター タイトルの書式設定</a:t>
             </a:r>
-          </a:p>
-        </p:txBody>
-      </p:sp>
-      <p:sp>
-        <p:nvSpPr>
-          <p:cNvPr id="3" name="コンテンツ プレースホルダー 2">
-            <a:extLst>
-              <a:ext uri="{FF2B5EF4-FFF2-40B4-BE49-F238E27FC236}">
-                <a16:creationId xmlns:a16="http://schemas.microsoft.com/office/drawing/2014/main" id="{F67C4925-8137-3C49-AD64-D8BD3298521E}"/>
-              </a:ext>
-            </a:extLst>
-          </p:cNvPr>
+            <a:endParaRPr lang="en-US" dirty="0"/>
+          </a:p>
+        </p:txBody>
+      </p:sp>
+      <p:sp>
+        <p:nvSpPr>
+          <p:cNvPr id="3" name="Content Placeholder 2"/>
           <p:cNvSpPr>
             <a:spLocks noGrp="1"/>
           </p:cNvSpPr>
@@ -813,58 +725,54 @@
           <a:bodyPr/>
           <a:lstStyle/>
           <a:p>
-            <a:r>
-              <a:rPr kumimoji="1" lang="ja-JP" altLang="en-US"/>
+            <a:pPr lvl="0"/>
+            <a:r>
+              <a:rPr lang="ja-JP" altLang="en-US"/>
               <a:t>マスター テキストの書式設定
 第 </a:t>
             </a:r>
             <a:r>
-              <a:rPr kumimoji="1" lang="en-US" altLang="ja-JP"/>
+              <a:rPr lang="en-US" altLang="ja-JP"/>
               <a:t>2 </a:t>
             </a:r>
             <a:r>
-              <a:rPr kumimoji="1" lang="ja-JP" altLang="en-US"/>
-              <a:t>レベル
-第 </a:t>
-            </a:r>
-            <a:r>
-              <a:rPr kumimoji="1" lang="en-US" altLang="ja-JP"/>
+              <a:rPr lang="ja-JP" altLang="en-US"/>
+              <a:t>レベル
+第 </a:t>
+            </a:r>
+            <a:r>
+              <a:rPr lang="en-US" altLang="ja-JP"/>
               <a:t>3 </a:t>
             </a:r>
             <a:r>
-              <a:rPr kumimoji="1" lang="ja-JP" altLang="en-US"/>
-              <a:t>レベル
-第 </a:t>
-            </a:r>
-            <a:r>
-              <a:rPr kumimoji="1" lang="en-US" altLang="ja-JP"/>
+              <a:rPr lang="ja-JP" altLang="en-US"/>
+              <a:t>レベル
+第 </a:t>
+            </a:r>
+            <a:r>
+              <a:rPr lang="en-US" altLang="ja-JP"/>
               <a:t>4 </a:t>
             </a:r>
             <a:r>
-              <a:rPr kumimoji="1" lang="ja-JP" altLang="en-US"/>
-              <a:t>レベル
-第 </a:t>
-            </a:r>
-            <a:r>
-              <a:rPr kumimoji="1" lang="en-US" altLang="ja-JP"/>
+              <a:rPr lang="ja-JP" altLang="en-US"/>
+              <a:t>レベル
+第 </a:t>
+            </a:r>
+            <a:r>
+              <a:rPr lang="en-US" altLang="ja-JP"/>
               <a:t>5 </a:t>
             </a:r>
             <a:r>
-              <a:rPr kumimoji="1" lang="ja-JP" altLang="en-US"/>
+              <a:rPr lang="ja-JP" altLang="en-US"/>
               <a:t>レベル</a:t>
             </a:r>
-          </a:p>
-        </p:txBody>
-      </p:sp>
-      <p:sp>
-        <p:nvSpPr>
-          <p:cNvPr id="4" name="日付プレースホルダー 3">
-            <a:extLst>
-              <a:ext uri="{FF2B5EF4-FFF2-40B4-BE49-F238E27FC236}">
-                <a16:creationId xmlns:a16="http://schemas.microsoft.com/office/drawing/2014/main" id="{6848BEFD-BFFB-8948-9B67-DA2781BEB9B9}"/>
-              </a:ext>
-            </a:extLst>
-          </p:cNvPr>
+            <a:endParaRPr lang="en-US" dirty="0"/>
+          </a:p>
+        </p:txBody>
+      </p:sp>
+      <p:sp>
+        <p:nvSpPr>
+          <p:cNvPr id="4" name="Date Placeholder 3"/>
           <p:cNvSpPr>
             <a:spLocks noGrp="1"/>
           </p:cNvSpPr>
@@ -879,7 +787,7 @@
           <a:p>
             <a:fld id="{4181B4E1-E239-CB4B-9B56-04666A137A9E}" type="datetimeFigureOut">
               <a:rPr kumimoji="1" lang="ja-JP" altLang="en-US" smtClean="0"/>
-              <a:t>2019/9/12</a:t>
+              <a:t>2019/10/1</a:t>
             </a:fld>
             <a:endParaRPr kumimoji="1" lang="ja-JP" altLang="en-US"/>
           </a:p>
@@ -887,13 +795,7 @@
       </p:sp>
       <p:sp>
         <p:nvSpPr>
-          <p:cNvPr id="5" name="フッター プレースホルダー 4">
-            <a:extLst>
-              <a:ext uri="{FF2B5EF4-FFF2-40B4-BE49-F238E27FC236}">
-                <a16:creationId xmlns:a16="http://schemas.microsoft.com/office/drawing/2014/main" id="{DB6370D1-5053-3B4B-BD55-AF5C66463A82}"/>
-              </a:ext>
-            </a:extLst>
-          </p:cNvPr>
+          <p:cNvPr id="5" name="Footer Placeholder 4"/>
           <p:cNvSpPr>
             <a:spLocks noGrp="1"/>
           </p:cNvSpPr>
@@ -912,13 +814,7 @@
       </p:sp>
       <p:sp>
         <p:nvSpPr>
-          <p:cNvPr id="6" name="スライド番号プレースホルダー 5">
-            <a:extLst>
-              <a:ext uri="{FF2B5EF4-FFF2-40B4-BE49-F238E27FC236}">
-                <a16:creationId xmlns:a16="http://schemas.microsoft.com/office/drawing/2014/main" id="{F3870CEB-2FAD-FB47-8DFF-A9E718A1C2F4}"/>
-              </a:ext>
-            </a:extLst>
-          </p:cNvPr>
+          <p:cNvPr id="6" name="Slide Number Placeholder 5"/>
           <p:cNvSpPr>
             <a:spLocks noGrp="1"/>
           </p:cNvSpPr>
@@ -942,7 +838,7 @@
     </p:spTree>
     <p:extLst>
       <p:ext uri="{BB962C8B-B14F-4D97-AF65-F5344CB8AC3E}">
-        <p14:creationId xmlns:p14="http://schemas.microsoft.com/office/powerpoint/2010/main" val="3722372521"/>
+        <p14:creationId xmlns:p14="http://schemas.microsoft.com/office/powerpoint/2010/main" val="909685223"/>
       </p:ext>
     </p:extLst>
   </p:cSld>
@@ -971,13 +867,7 @@
       </p:grpSpPr>
       <p:sp>
         <p:nvSpPr>
-          <p:cNvPr id="2" name="タイトル 1">
-            <a:extLst>
-              <a:ext uri="{FF2B5EF4-FFF2-40B4-BE49-F238E27FC236}">
-                <a16:creationId xmlns:a16="http://schemas.microsoft.com/office/drawing/2014/main" id="{1DABD780-0D42-0F4F-AE4B-541EB4CE62F3}"/>
-              </a:ext>
-            </a:extLst>
-          </p:cNvPr>
+          <p:cNvPr id="2" name="Title 1"/>
           <p:cNvSpPr>
             <a:spLocks noGrp="1"/>
           </p:cNvSpPr>
@@ -987,34 +877,29 @@
         </p:nvSpPr>
         <p:spPr>
           <a:xfrm>
-            <a:off x="831850" y="1709738"/>
-            <a:ext cx="10515600" cy="2852737"/>
+            <a:off x="678478" y="5367078"/>
+            <a:ext cx="8576786" cy="8955085"/>
           </a:xfrm>
         </p:spPr>
         <p:txBody>
           <a:bodyPr anchor="b"/>
           <a:lstStyle>
             <a:lvl1pPr>
-              <a:defRPr sz="6000"/>
+              <a:defRPr sz="6525"/>
             </a:lvl1pPr>
           </a:lstStyle>
           <a:p>
             <a:r>
-              <a:rPr kumimoji="1" lang="ja-JP" altLang="en-US"/>
+              <a:rPr lang="ja-JP" altLang="en-US"/>
               <a:t>マスター タイトルの書式設定</a:t>
             </a:r>
-          </a:p>
-        </p:txBody>
-      </p:sp>
-      <p:sp>
-        <p:nvSpPr>
-          <p:cNvPr id="3" name="テキスト プレースホルダー 2">
-            <a:extLst>
-              <a:ext uri="{FF2B5EF4-FFF2-40B4-BE49-F238E27FC236}">
-                <a16:creationId xmlns:a16="http://schemas.microsoft.com/office/drawing/2014/main" id="{D8845447-F453-9E4E-9139-79682B990968}"/>
-              </a:ext>
-            </a:extLst>
-          </p:cNvPr>
+            <a:endParaRPr lang="en-US" dirty="0"/>
+          </a:p>
+        </p:txBody>
+      </p:sp>
+      <p:sp>
+        <p:nvSpPr>
+          <p:cNvPr id="3" name="Text Placeholder 2"/>
           <p:cNvSpPr>
             <a:spLocks noGrp="1"/>
           </p:cNvSpPr>
@@ -1024,8 +909,8 @@
         </p:nvSpPr>
         <p:spPr>
           <a:xfrm>
-            <a:off x="831850" y="4589463"/>
-            <a:ext cx="10515600" cy="1500187"/>
+            <a:off x="678478" y="14406882"/>
+            <a:ext cx="8576786" cy="4709268"/>
           </a:xfrm>
         </p:spPr>
         <p:txBody>
@@ -1033,17 +918,15 @@
           <a:lstStyle>
             <a:lvl1pPr marL="0" indent="0">
               <a:buNone/>
-              <a:defRPr sz="2400">
+              <a:defRPr sz="2610">
                 <a:solidFill>
-                  <a:schemeClr val="tx1">
-                    <a:tint val="75000"/>
-                  </a:schemeClr>
+                  <a:schemeClr val="tx1"/>
                 </a:solidFill>
               </a:defRPr>
             </a:lvl1pPr>
-            <a:lvl2pPr marL="457200" indent="0">
-              <a:buNone/>
-              <a:defRPr sz="2000">
+            <a:lvl2pPr marL="497205" indent="0">
+              <a:buNone/>
+              <a:defRPr sz="2175">
                 <a:solidFill>
                   <a:schemeClr val="tx1">
                     <a:tint val="75000"/>
@@ -1051,9 +934,9 @@
                 </a:solidFill>
               </a:defRPr>
             </a:lvl2pPr>
-            <a:lvl3pPr marL="914400" indent="0">
-              <a:buNone/>
-              <a:defRPr sz="1800">
+            <a:lvl3pPr marL="994410" indent="0">
+              <a:buNone/>
+              <a:defRPr sz="1958">
                 <a:solidFill>
                   <a:schemeClr val="tx1">
                     <a:tint val="75000"/>
@@ -1061,9 +944,9 @@
                 </a:solidFill>
               </a:defRPr>
             </a:lvl3pPr>
-            <a:lvl4pPr marL="1371600" indent="0">
-              <a:buNone/>
-              <a:defRPr sz="1600">
+            <a:lvl4pPr marL="1491615" indent="0">
+              <a:buNone/>
+              <a:defRPr sz="1740">
                 <a:solidFill>
                   <a:schemeClr val="tx1">
                     <a:tint val="75000"/>
@@ -1071,9 +954,9 @@
                 </a:solidFill>
               </a:defRPr>
             </a:lvl4pPr>
-            <a:lvl5pPr marL="1828800" indent="0">
-              <a:buNone/>
-              <a:defRPr sz="1600">
+            <a:lvl5pPr marL="1988820" indent="0">
+              <a:buNone/>
+              <a:defRPr sz="1740">
                 <a:solidFill>
                   <a:schemeClr val="tx1">
                     <a:tint val="75000"/>
@@ -1081,9 +964,9 @@
                 </a:solidFill>
               </a:defRPr>
             </a:lvl5pPr>
-            <a:lvl6pPr marL="2286000" indent="0">
-              <a:buNone/>
-              <a:defRPr sz="1600">
+            <a:lvl6pPr marL="2486025" indent="0">
+              <a:buNone/>
+              <a:defRPr sz="1740">
                 <a:solidFill>
                   <a:schemeClr val="tx1">
                     <a:tint val="75000"/>
@@ -1091,9 +974,9 @@
                 </a:solidFill>
               </a:defRPr>
             </a:lvl6pPr>
-            <a:lvl7pPr marL="2743200" indent="0">
-              <a:buNone/>
-              <a:defRPr sz="1600">
+            <a:lvl7pPr marL="2983230" indent="0">
+              <a:buNone/>
+              <a:defRPr sz="1740">
                 <a:solidFill>
                   <a:schemeClr val="tx1">
                     <a:tint val="75000"/>
@@ -1101,9 +984,9 @@
                 </a:solidFill>
               </a:defRPr>
             </a:lvl7pPr>
-            <a:lvl8pPr marL="3200400" indent="0">
-              <a:buNone/>
-              <a:defRPr sz="1600">
+            <a:lvl8pPr marL="3480435" indent="0">
+              <a:buNone/>
+              <a:defRPr sz="1740">
                 <a:solidFill>
                   <a:schemeClr val="tx1">
                     <a:tint val="75000"/>
@@ -1111,9 +994,9 @@
                 </a:solidFill>
               </a:defRPr>
             </a:lvl8pPr>
-            <a:lvl9pPr marL="3657600" indent="0">
-              <a:buNone/>
-              <a:defRPr sz="1600">
+            <a:lvl9pPr marL="3977640" indent="0">
+              <a:buNone/>
+              <a:defRPr sz="1740">
                 <a:solidFill>
                   <a:schemeClr val="tx1">
                     <a:tint val="75000"/>
@@ -1123,58 +1006,54 @@
             </a:lvl9pPr>
           </a:lstStyle>
           <a:p>
-            <a:r>
-              <a:rPr kumimoji="1" lang="ja-JP" altLang="en-US"/>
+            <a:pPr lvl="0"/>
+            <a:r>
+              <a:rPr lang="ja-JP" altLang="en-US"/>
               <a:t>マスター テキストの書式設定
 第 </a:t>
             </a:r>
             <a:r>
-              <a:rPr kumimoji="1" lang="en-US" altLang="ja-JP"/>
+              <a:rPr lang="en-US" altLang="ja-JP"/>
               <a:t>2 </a:t>
             </a:r>
             <a:r>
-              <a:rPr kumimoji="1" lang="ja-JP" altLang="en-US"/>
-              <a:t>レベル
-第 </a:t>
-            </a:r>
-            <a:r>
-              <a:rPr kumimoji="1" lang="en-US" altLang="ja-JP"/>
+              <a:rPr lang="ja-JP" altLang="en-US"/>
+              <a:t>レベル
+第 </a:t>
+            </a:r>
+            <a:r>
+              <a:rPr lang="en-US" altLang="ja-JP"/>
               <a:t>3 </a:t>
             </a:r>
             <a:r>
-              <a:rPr kumimoji="1" lang="ja-JP" altLang="en-US"/>
-              <a:t>レベル
-第 </a:t>
-            </a:r>
-            <a:r>
-              <a:rPr kumimoji="1" lang="en-US" altLang="ja-JP"/>
+              <a:rPr lang="ja-JP" altLang="en-US"/>
+              <a:t>レベル
+第 </a:t>
+            </a:r>
+            <a:r>
+              <a:rPr lang="en-US" altLang="ja-JP"/>
               <a:t>4 </a:t>
             </a:r>
             <a:r>
-              <a:rPr kumimoji="1" lang="ja-JP" altLang="en-US"/>
-              <a:t>レベル
-第 </a:t>
-            </a:r>
-            <a:r>
-              <a:rPr kumimoji="1" lang="en-US" altLang="ja-JP"/>
+              <a:rPr lang="ja-JP" altLang="en-US"/>
+              <a:t>レベル
+第 </a:t>
+            </a:r>
+            <a:r>
+              <a:rPr lang="en-US" altLang="ja-JP"/>
               <a:t>5 </a:t>
             </a:r>
             <a:r>
-              <a:rPr kumimoji="1" lang="ja-JP" altLang="en-US"/>
+              <a:rPr lang="ja-JP" altLang="en-US"/>
               <a:t>レベル</a:t>
             </a:r>
-          </a:p>
-        </p:txBody>
-      </p:sp>
-      <p:sp>
-        <p:nvSpPr>
-          <p:cNvPr id="4" name="日付プレースホルダー 3">
-            <a:extLst>
-              <a:ext uri="{FF2B5EF4-FFF2-40B4-BE49-F238E27FC236}">
-                <a16:creationId xmlns:a16="http://schemas.microsoft.com/office/drawing/2014/main" id="{1A7852A0-B5C7-E34B-9CCD-69186E5E5406}"/>
-              </a:ext>
-            </a:extLst>
-          </p:cNvPr>
+            <a:endParaRPr lang="en-US" dirty="0"/>
+          </a:p>
+        </p:txBody>
+      </p:sp>
+      <p:sp>
+        <p:nvSpPr>
+          <p:cNvPr id="4" name="Date Placeholder 3"/>
           <p:cNvSpPr>
             <a:spLocks noGrp="1"/>
           </p:cNvSpPr>
@@ -1189,7 +1068,7 @@
           <a:p>
             <a:fld id="{4181B4E1-E239-CB4B-9B56-04666A137A9E}" type="datetimeFigureOut">
               <a:rPr kumimoji="1" lang="ja-JP" altLang="en-US" smtClean="0"/>
-              <a:t>2019/9/12</a:t>
+              <a:t>2019/10/1</a:t>
             </a:fld>
             <a:endParaRPr kumimoji="1" lang="ja-JP" altLang="en-US"/>
           </a:p>
@@ -1197,13 +1076,7 @@
       </p:sp>
       <p:sp>
         <p:nvSpPr>
-          <p:cNvPr id="5" name="フッター プレースホルダー 4">
-            <a:extLst>
-              <a:ext uri="{FF2B5EF4-FFF2-40B4-BE49-F238E27FC236}">
-                <a16:creationId xmlns:a16="http://schemas.microsoft.com/office/drawing/2014/main" id="{6F0CE87B-A034-8248-AA28-469DFA0767EB}"/>
-              </a:ext>
-            </a:extLst>
-          </p:cNvPr>
+          <p:cNvPr id="5" name="Footer Placeholder 4"/>
           <p:cNvSpPr>
             <a:spLocks noGrp="1"/>
           </p:cNvSpPr>
@@ -1222,13 +1095,7 @@
       </p:sp>
       <p:sp>
         <p:nvSpPr>
-          <p:cNvPr id="6" name="スライド番号プレースホルダー 5">
-            <a:extLst>
-              <a:ext uri="{FF2B5EF4-FFF2-40B4-BE49-F238E27FC236}">
-                <a16:creationId xmlns:a16="http://schemas.microsoft.com/office/drawing/2014/main" id="{5F778B63-BA10-A34C-AF16-B6106DC24F1A}"/>
-              </a:ext>
-            </a:extLst>
-          </p:cNvPr>
+          <p:cNvPr id="6" name="Slide Number Placeholder 5"/>
           <p:cNvSpPr>
             <a:spLocks noGrp="1"/>
           </p:cNvSpPr>
@@ -1252,7 +1119,7 @@
     </p:spTree>
     <p:extLst>
       <p:ext uri="{BB962C8B-B14F-4D97-AF65-F5344CB8AC3E}">
-        <p14:creationId xmlns:p14="http://schemas.microsoft.com/office/powerpoint/2010/main" val="561538026"/>
+        <p14:creationId xmlns:p14="http://schemas.microsoft.com/office/powerpoint/2010/main" val="3707566726"/>
       </p:ext>
     </p:extLst>
   </p:cSld>
@@ -1281,13 +1148,7 @@
       </p:grpSpPr>
       <p:sp>
         <p:nvSpPr>
-          <p:cNvPr id="2" name="タイトル 1">
-            <a:extLst>
-              <a:ext uri="{FF2B5EF4-FFF2-40B4-BE49-F238E27FC236}">
-                <a16:creationId xmlns:a16="http://schemas.microsoft.com/office/drawing/2014/main" id="{32566553-35CE-F844-8951-2517DE974F08}"/>
-              </a:ext>
-            </a:extLst>
-          </p:cNvPr>
+          <p:cNvPr id="2" name="Title 1"/>
           <p:cNvSpPr>
             <a:spLocks noGrp="1"/>
           </p:cNvSpPr>
@@ -1301,21 +1162,16 @@
           <a:lstStyle/>
           <a:p>
             <a:r>
-              <a:rPr kumimoji="1" lang="ja-JP" altLang="en-US"/>
+              <a:rPr lang="ja-JP" altLang="en-US"/>
               <a:t>マスター タイトルの書式設定</a:t>
             </a:r>
-          </a:p>
-        </p:txBody>
-      </p:sp>
-      <p:sp>
-        <p:nvSpPr>
-          <p:cNvPr id="3" name="コンテンツ プレースホルダー 2">
-            <a:extLst>
-              <a:ext uri="{FF2B5EF4-FFF2-40B4-BE49-F238E27FC236}">
-                <a16:creationId xmlns:a16="http://schemas.microsoft.com/office/drawing/2014/main" id="{D829872F-8DA3-674C-9C29-E6D920480C57}"/>
-              </a:ext>
-            </a:extLst>
-          </p:cNvPr>
+            <a:endParaRPr lang="en-US" dirty="0"/>
+          </a:p>
+        </p:txBody>
+      </p:sp>
+      <p:sp>
+        <p:nvSpPr>
+          <p:cNvPr id="3" name="Content Placeholder 2"/>
           <p:cNvSpPr>
             <a:spLocks noGrp="1"/>
           </p:cNvSpPr>
@@ -1325,66 +1181,62 @@
         </p:nvSpPr>
         <p:spPr>
           <a:xfrm>
-            <a:off x="838200" y="1825625"/>
-            <a:ext cx="5181600" cy="4351338"/>
+            <a:off x="683657" y="5730857"/>
+            <a:ext cx="4226243" cy="13659374"/>
           </a:xfrm>
         </p:spPr>
         <p:txBody>
           <a:bodyPr/>
           <a:lstStyle/>
           <a:p>
-            <a:r>
-              <a:rPr kumimoji="1" lang="ja-JP" altLang="en-US"/>
+            <a:pPr lvl="0"/>
+            <a:r>
+              <a:rPr lang="ja-JP" altLang="en-US"/>
               <a:t>マスター テキストの書式設定
 第 </a:t>
             </a:r>
             <a:r>
-              <a:rPr kumimoji="1" lang="en-US" altLang="ja-JP"/>
+              <a:rPr lang="en-US" altLang="ja-JP"/>
               <a:t>2 </a:t>
             </a:r>
             <a:r>
-              <a:rPr kumimoji="1" lang="ja-JP" altLang="en-US"/>
-              <a:t>レベル
-第 </a:t>
-            </a:r>
-            <a:r>
-              <a:rPr kumimoji="1" lang="en-US" altLang="ja-JP"/>
+              <a:rPr lang="ja-JP" altLang="en-US"/>
+              <a:t>レベル
+第 </a:t>
+            </a:r>
+            <a:r>
+              <a:rPr lang="en-US" altLang="ja-JP"/>
               <a:t>3 </a:t>
             </a:r>
             <a:r>
-              <a:rPr kumimoji="1" lang="ja-JP" altLang="en-US"/>
-              <a:t>レベル
-第 </a:t>
-            </a:r>
-            <a:r>
-              <a:rPr kumimoji="1" lang="en-US" altLang="ja-JP"/>
+              <a:rPr lang="ja-JP" altLang="en-US"/>
+              <a:t>レベル
+第 </a:t>
+            </a:r>
+            <a:r>
+              <a:rPr lang="en-US" altLang="ja-JP"/>
               <a:t>4 </a:t>
             </a:r>
             <a:r>
-              <a:rPr kumimoji="1" lang="ja-JP" altLang="en-US"/>
-              <a:t>レベル
-第 </a:t>
-            </a:r>
-            <a:r>
-              <a:rPr kumimoji="1" lang="en-US" altLang="ja-JP"/>
+              <a:rPr lang="ja-JP" altLang="en-US"/>
+              <a:t>レベル
+第 </a:t>
+            </a:r>
+            <a:r>
+              <a:rPr lang="en-US" altLang="ja-JP"/>
               <a:t>5 </a:t>
             </a:r>
             <a:r>
-              <a:rPr kumimoji="1" lang="ja-JP" altLang="en-US"/>
+              <a:rPr lang="ja-JP" altLang="en-US"/>
               <a:t>レベル</a:t>
             </a:r>
-          </a:p>
-        </p:txBody>
-      </p:sp>
-      <p:sp>
-        <p:nvSpPr>
-          <p:cNvPr id="4" name="コンテンツ プレースホルダー 3">
-            <a:extLst>
-              <a:ext uri="{FF2B5EF4-FFF2-40B4-BE49-F238E27FC236}">
-                <a16:creationId xmlns:a16="http://schemas.microsoft.com/office/drawing/2014/main" id="{6B42E97B-A814-FF4E-AFCF-2238C693D8CD}"/>
-              </a:ext>
-            </a:extLst>
-          </p:cNvPr>
+            <a:endParaRPr lang="en-US" dirty="0"/>
+          </a:p>
+        </p:txBody>
+      </p:sp>
+      <p:sp>
+        <p:nvSpPr>
+          <p:cNvPr id="4" name="Content Placeholder 3"/>
           <p:cNvSpPr>
             <a:spLocks noGrp="1"/>
           </p:cNvSpPr>
@@ -1394,66 +1246,62 @@
         </p:nvSpPr>
         <p:spPr>
           <a:xfrm>
-            <a:off x="6172200" y="1825625"/>
-            <a:ext cx="5181600" cy="4351338"/>
+            <a:off x="5034200" y="5730857"/>
+            <a:ext cx="4226243" cy="13659374"/>
           </a:xfrm>
         </p:spPr>
         <p:txBody>
           <a:bodyPr/>
           <a:lstStyle/>
           <a:p>
-            <a:r>
-              <a:rPr kumimoji="1" lang="ja-JP" altLang="en-US"/>
+            <a:pPr lvl="0"/>
+            <a:r>
+              <a:rPr lang="ja-JP" altLang="en-US"/>
               <a:t>マスター テキストの書式設定
 第 </a:t>
             </a:r>
             <a:r>
-              <a:rPr kumimoji="1" lang="en-US" altLang="ja-JP"/>
+              <a:rPr lang="en-US" altLang="ja-JP"/>
               <a:t>2 </a:t>
             </a:r>
             <a:r>
-              <a:rPr kumimoji="1" lang="ja-JP" altLang="en-US"/>
-              <a:t>レベル
-第 </a:t>
-            </a:r>
-            <a:r>
-              <a:rPr kumimoji="1" lang="en-US" altLang="ja-JP"/>
+              <a:rPr lang="ja-JP" altLang="en-US"/>
+              <a:t>レベル
+第 </a:t>
+            </a:r>
+            <a:r>
+              <a:rPr lang="en-US" altLang="ja-JP"/>
               <a:t>3 </a:t>
             </a:r>
             <a:r>
-              <a:rPr kumimoji="1" lang="ja-JP" altLang="en-US"/>
-              <a:t>レベル
-第 </a:t>
-            </a:r>
-            <a:r>
-              <a:rPr kumimoji="1" lang="en-US" altLang="ja-JP"/>
+              <a:rPr lang="ja-JP" altLang="en-US"/>
+              <a:t>レベル
+第 </a:t>
+            </a:r>
+            <a:r>
+              <a:rPr lang="en-US" altLang="ja-JP"/>
               <a:t>4 </a:t>
             </a:r>
             <a:r>
-              <a:rPr kumimoji="1" lang="ja-JP" altLang="en-US"/>
-              <a:t>レベル
-第 </a:t>
-            </a:r>
-            <a:r>
-              <a:rPr kumimoji="1" lang="en-US" altLang="ja-JP"/>
+              <a:rPr lang="ja-JP" altLang="en-US"/>
+              <a:t>レベル
+第 </a:t>
+            </a:r>
+            <a:r>
+              <a:rPr lang="en-US" altLang="ja-JP"/>
               <a:t>5 </a:t>
             </a:r>
             <a:r>
-              <a:rPr kumimoji="1" lang="ja-JP" altLang="en-US"/>
+              <a:rPr lang="ja-JP" altLang="en-US"/>
               <a:t>レベル</a:t>
             </a:r>
-          </a:p>
-        </p:txBody>
-      </p:sp>
-      <p:sp>
-        <p:nvSpPr>
-          <p:cNvPr id="5" name="日付プレースホルダー 4">
-            <a:extLst>
-              <a:ext uri="{FF2B5EF4-FFF2-40B4-BE49-F238E27FC236}">
-                <a16:creationId xmlns:a16="http://schemas.microsoft.com/office/drawing/2014/main" id="{2CD413CD-9CC6-D347-9A9C-C70D9529EDA8}"/>
-              </a:ext>
-            </a:extLst>
-          </p:cNvPr>
+            <a:endParaRPr lang="en-US" dirty="0"/>
+          </a:p>
+        </p:txBody>
+      </p:sp>
+      <p:sp>
+        <p:nvSpPr>
+          <p:cNvPr id="5" name="Date Placeholder 4"/>
           <p:cNvSpPr>
             <a:spLocks noGrp="1"/>
           </p:cNvSpPr>
@@ -1468,7 +1316,7 @@
           <a:p>
             <a:fld id="{4181B4E1-E239-CB4B-9B56-04666A137A9E}" type="datetimeFigureOut">
               <a:rPr kumimoji="1" lang="ja-JP" altLang="en-US" smtClean="0"/>
-              <a:t>2019/9/12</a:t>
+              <a:t>2019/10/1</a:t>
             </a:fld>
             <a:endParaRPr kumimoji="1" lang="ja-JP" altLang="en-US"/>
           </a:p>
@@ -1476,13 +1324,7 @@
       </p:sp>
       <p:sp>
         <p:nvSpPr>
-          <p:cNvPr id="6" name="フッター プレースホルダー 5">
-            <a:extLst>
-              <a:ext uri="{FF2B5EF4-FFF2-40B4-BE49-F238E27FC236}">
-                <a16:creationId xmlns:a16="http://schemas.microsoft.com/office/drawing/2014/main" id="{C5393082-081D-6946-A6AD-7A5A81091451}"/>
-              </a:ext>
-            </a:extLst>
-          </p:cNvPr>
+          <p:cNvPr id="6" name="Footer Placeholder 5"/>
           <p:cNvSpPr>
             <a:spLocks noGrp="1"/>
           </p:cNvSpPr>
@@ -1501,13 +1343,7 @@
       </p:sp>
       <p:sp>
         <p:nvSpPr>
-          <p:cNvPr id="7" name="スライド番号プレースホルダー 6">
-            <a:extLst>
-              <a:ext uri="{FF2B5EF4-FFF2-40B4-BE49-F238E27FC236}">
-                <a16:creationId xmlns:a16="http://schemas.microsoft.com/office/drawing/2014/main" id="{3C6937D7-F470-184C-9EA2-939390131278}"/>
-              </a:ext>
-            </a:extLst>
-          </p:cNvPr>
+          <p:cNvPr id="7" name="Slide Number Placeholder 6"/>
           <p:cNvSpPr>
             <a:spLocks noGrp="1"/>
           </p:cNvSpPr>
@@ -1531,7 +1367,7 @@
     </p:spTree>
     <p:extLst>
       <p:ext uri="{BB962C8B-B14F-4D97-AF65-F5344CB8AC3E}">
-        <p14:creationId xmlns:p14="http://schemas.microsoft.com/office/powerpoint/2010/main" val="2840002636"/>
+        <p14:creationId xmlns:p14="http://schemas.microsoft.com/office/powerpoint/2010/main" val="2962977096"/>
       </p:ext>
     </p:extLst>
   </p:cSld>
@@ -1560,13 +1396,7 @@
       </p:grpSpPr>
       <p:sp>
         <p:nvSpPr>
-          <p:cNvPr id="2" name="タイトル 1">
-            <a:extLst>
-              <a:ext uri="{FF2B5EF4-FFF2-40B4-BE49-F238E27FC236}">
-                <a16:creationId xmlns:a16="http://schemas.microsoft.com/office/drawing/2014/main" id="{45B3F3A8-030A-C14F-A37B-E9685EB6349B}"/>
-              </a:ext>
-            </a:extLst>
-          </p:cNvPr>
+          <p:cNvPr id="2" name="Title 1"/>
           <p:cNvSpPr>
             <a:spLocks noGrp="1"/>
           </p:cNvSpPr>
@@ -1576,8 +1406,8 @@
         </p:nvSpPr>
         <p:spPr>
           <a:xfrm>
-            <a:off x="839788" y="365125"/>
-            <a:ext cx="10515600" cy="1325563"/>
+            <a:off x="684952" y="1146176"/>
+            <a:ext cx="8576786" cy="4161102"/>
           </a:xfrm>
         </p:spPr>
         <p:txBody>
@@ -1585,21 +1415,16 @@
           <a:lstStyle/>
           <a:p>
             <a:r>
-              <a:rPr kumimoji="1" lang="ja-JP" altLang="en-US"/>
+              <a:rPr lang="ja-JP" altLang="en-US"/>
               <a:t>マスター タイトルの書式設定</a:t>
             </a:r>
-          </a:p>
-        </p:txBody>
-      </p:sp>
-      <p:sp>
-        <p:nvSpPr>
-          <p:cNvPr id="3" name="テキスト プレースホルダー 2">
-            <a:extLst>
-              <a:ext uri="{FF2B5EF4-FFF2-40B4-BE49-F238E27FC236}">
-                <a16:creationId xmlns:a16="http://schemas.microsoft.com/office/drawing/2014/main" id="{853D58DC-0BA1-574D-8111-565940C2B305}"/>
-              </a:ext>
-            </a:extLst>
-          </p:cNvPr>
+            <a:endParaRPr lang="en-US" dirty="0"/>
+          </a:p>
+        </p:txBody>
+      </p:sp>
+      <p:sp>
+        <p:nvSpPr>
+          <p:cNvPr id="3" name="Text Placeholder 2"/>
           <p:cNvSpPr>
             <a:spLocks noGrp="1"/>
           </p:cNvSpPr>
@@ -1609,8 +1434,8 @@
         </p:nvSpPr>
         <p:spPr>
           <a:xfrm>
-            <a:off x="839788" y="1681163"/>
-            <a:ext cx="5157787" cy="823912"/>
+            <a:off x="684953" y="5277373"/>
+            <a:ext cx="4206820" cy="2586359"/>
           </a:xfrm>
         </p:spPr>
         <p:txBody>
@@ -1618,94 +1443,90 @@
           <a:lstStyle>
             <a:lvl1pPr marL="0" indent="0">
               <a:buNone/>
-              <a:defRPr sz="2400" b="1"/>
+              <a:defRPr sz="2610" b="1"/>
             </a:lvl1pPr>
-            <a:lvl2pPr marL="457200" indent="0">
-              <a:buNone/>
-              <a:defRPr sz="2000" b="1"/>
+            <a:lvl2pPr marL="497205" indent="0">
+              <a:buNone/>
+              <a:defRPr sz="2175" b="1"/>
             </a:lvl2pPr>
-            <a:lvl3pPr marL="914400" indent="0">
-              <a:buNone/>
-              <a:defRPr sz="1800" b="1"/>
+            <a:lvl3pPr marL="994410" indent="0">
+              <a:buNone/>
+              <a:defRPr sz="1958" b="1"/>
             </a:lvl3pPr>
-            <a:lvl4pPr marL="1371600" indent="0">
-              <a:buNone/>
-              <a:defRPr sz="1600" b="1"/>
+            <a:lvl4pPr marL="1491615" indent="0">
+              <a:buNone/>
+              <a:defRPr sz="1740" b="1"/>
             </a:lvl4pPr>
-            <a:lvl5pPr marL="1828800" indent="0">
-              <a:buNone/>
-              <a:defRPr sz="1600" b="1"/>
+            <a:lvl5pPr marL="1988820" indent="0">
+              <a:buNone/>
+              <a:defRPr sz="1740" b="1"/>
             </a:lvl5pPr>
-            <a:lvl6pPr marL="2286000" indent="0">
-              <a:buNone/>
-              <a:defRPr sz="1600" b="1"/>
+            <a:lvl6pPr marL="2486025" indent="0">
+              <a:buNone/>
+              <a:defRPr sz="1740" b="1"/>
             </a:lvl6pPr>
-            <a:lvl7pPr marL="2743200" indent="0">
-              <a:buNone/>
-              <a:defRPr sz="1600" b="1"/>
+            <a:lvl7pPr marL="2983230" indent="0">
+              <a:buNone/>
+              <a:defRPr sz="1740" b="1"/>
             </a:lvl7pPr>
-            <a:lvl8pPr marL="3200400" indent="0">
-              <a:buNone/>
-              <a:defRPr sz="1600" b="1"/>
+            <a:lvl8pPr marL="3480435" indent="0">
+              <a:buNone/>
+              <a:defRPr sz="1740" b="1"/>
             </a:lvl8pPr>
-            <a:lvl9pPr marL="3657600" indent="0">
-              <a:buNone/>
-              <a:defRPr sz="1600" b="1"/>
+            <a:lvl9pPr marL="3977640" indent="0">
+              <a:buNone/>
+              <a:defRPr sz="1740" b="1"/>
             </a:lvl9pPr>
           </a:lstStyle>
           <a:p>
-            <a:r>
-              <a:rPr kumimoji="1" lang="ja-JP" altLang="en-US"/>
+            <a:pPr lvl="0"/>
+            <a:r>
+              <a:rPr lang="ja-JP" altLang="en-US"/>
               <a:t>マスター テキストの書式設定
 第 </a:t>
             </a:r>
             <a:r>
-              <a:rPr kumimoji="1" lang="en-US" altLang="ja-JP"/>
+              <a:rPr lang="en-US" altLang="ja-JP"/>
               <a:t>2 </a:t>
             </a:r>
             <a:r>
-              <a:rPr kumimoji="1" lang="ja-JP" altLang="en-US"/>
-              <a:t>レベル
-第 </a:t>
-            </a:r>
-            <a:r>
-              <a:rPr kumimoji="1" lang="en-US" altLang="ja-JP"/>
+              <a:rPr lang="ja-JP" altLang="en-US"/>
+              <a:t>レベル
+第 </a:t>
+            </a:r>
+            <a:r>
+              <a:rPr lang="en-US" altLang="ja-JP"/>
               <a:t>3 </a:t>
             </a:r>
             <a:r>
-              <a:rPr kumimoji="1" lang="ja-JP" altLang="en-US"/>
-              <a:t>レベル
-第 </a:t>
-            </a:r>
-            <a:r>
-              <a:rPr kumimoji="1" lang="en-US" altLang="ja-JP"/>
+              <a:rPr lang="ja-JP" altLang="en-US"/>
+              <a:t>レベル
+第 </a:t>
+            </a:r>
+            <a:r>
+              <a:rPr lang="en-US" altLang="ja-JP"/>
               <a:t>4 </a:t>
             </a:r>
             <a:r>
-              <a:rPr kumimoji="1" lang="ja-JP" altLang="en-US"/>
-              <a:t>レベル
-第 </a:t>
-            </a:r>
-            <a:r>
-              <a:rPr kumimoji="1" lang="en-US" altLang="ja-JP"/>
+              <a:rPr lang="ja-JP" altLang="en-US"/>
+              <a:t>レベル
+第 </a:t>
+            </a:r>
+            <a:r>
+              <a:rPr lang="en-US" altLang="ja-JP"/>
               <a:t>5 </a:t>
             </a:r>
             <a:r>
-              <a:rPr kumimoji="1" lang="ja-JP" altLang="en-US"/>
+              <a:rPr lang="ja-JP" altLang="en-US"/>
               <a:t>レベル</a:t>
             </a:r>
-          </a:p>
-        </p:txBody>
-      </p:sp>
-      <p:sp>
-        <p:nvSpPr>
-          <p:cNvPr id="4" name="コンテンツ プレースホルダー 3">
-            <a:extLst>
-              <a:ext uri="{FF2B5EF4-FFF2-40B4-BE49-F238E27FC236}">
-                <a16:creationId xmlns:a16="http://schemas.microsoft.com/office/drawing/2014/main" id="{A4DC5251-36B6-5648-9D84-AFFB09A75F65}"/>
-              </a:ext>
-            </a:extLst>
-          </p:cNvPr>
+            <a:endParaRPr lang="en-US" dirty="0"/>
+          </a:p>
+        </p:txBody>
+      </p:sp>
+      <p:sp>
+        <p:nvSpPr>
+          <p:cNvPr id="4" name="Content Placeholder 3"/>
           <p:cNvSpPr>
             <a:spLocks noGrp="1"/>
           </p:cNvSpPr>
@@ -1715,66 +1536,62 @@
         </p:nvSpPr>
         <p:spPr>
           <a:xfrm>
-            <a:off x="839788" y="2505075"/>
-            <a:ext cx="5157787" cy="3684588"/>
+            <a:off x="684953" y="7863732"/>
+            <a:ext cx="4206820" cy="11566366"/>
           </a:xfrm>
         </p:spPr>
         <p:txBody>
           <a:bodyPr/>
           <a:lstStyle/>
           <a:p>
-            <a:r>
-              <a:rPr kumimoji="1" lang="ja-JP" altLang="en-US"/>
+            <a:pPr lvl="0"/>
+            <a:r>
+              <a:rPr lang="ja-JP" altLang="en-US"/>
               <a:t>マスター テキストの書式設定
 第 </a:t>
             </a:r>
             <a:r>
-              <a:rPr kumimoji="1" lang="en-US" altLang="ja-JP"/>
+              <a:rPr lang="en-US" altLang="ja-JP"/>
               <a:t>2 </a:t>
             </a:r>
             <a:r>
-              <a:rPr kumimoji="1" lang="ja-JP" altLang="en-US"/>
-              <a:t>レベル
-第 </a:t>
-            </a:r>
-            <a:r>
-              <a:rPr kumimoji="1" lang="en-US" altLang="ja-JP"/>
+              <a:rPr lang="ja-JP" altLang="en-US"/>
+              <a:t>レベル
+第 </a:t>
+            </a:r>
+            <a:r>
+              <a:rPr lang="en-US" altLang="ja-JP"/>
               <a:t>3 </a:t>
             </a:r>
             <a:r>
-              <a:rPr kumimoji="1" lang="ja-JP" altLang="en-US"/>
-              <a:t>レベル
-第 </a:t>
-            </a:r>
-            <a:r>
-              <a:rPr kumimoji="1" lang="en-US" altLang="ja-JP"/>
+              <a:rPr lang="ja-JP" altLang="en-US"/>
+              <a:t>レベル
+第 </a:t>
+            </a:r>
+            <a:r>
+              <a:rPr lang="en-US" altLang="ja-JP"/>
               <a:t>4 </a:t>
             </a:r>
             <a:r>
-              <a:rPr kumimoji="1" lang="ja-JP" altLang="en-US"/>
-              <a:t>レベル
-第 </a:t>
-            </a:r>
-            <a:r>
-              <a:rPr kumimoji="1" lang="en-US" altLang="ja-JP"/>
+              <a:rPr lang="ja-JP" altLang="en-US"/>
+              <a:t>レベル
+第 </a:t>
+            </a:r>
+            <a:r>
+              <a:rPr lang="en-US" altLang="ja-JP"/>
               <a:t>5 </a:t>
             </a:r>
             <a:r>
-              <a:rPr kumimoji="1" lang="ja-JP" altLang="en-US"/>
+              <a:rPr lang="ja-JP" altLang="en-US"/>
               <a:t>レベル</a:t>
             </a:r>
-          </a:p>
-        </p:txBody>
-      </p:sp>
-      <p:sp>
-        <p:nvSpPr>
-          <p:cNvPr id="5" name="テキスト プレースホルダー 4">
-            <a:extLst>
-              <a:ext uri="{FF2B5EF4-FFF2-40B4-BE49-F238E27FC236}">
-                <a16:creationId xmlns:a16="http://schemas.microsoft.com/office/drawing/2014/main" id="{6EAAD141-FF31-8F42-A502-B271C7D96894}"/>
-              </a:ext>
-            </a:extLst>
-          </p:cNvPr>
+            <a:endParaRPr lang="en-US" dirty="0"/>
+          </a:p>
+        </p:txBody>
+      </p:sp>
+      <p:sp>
+        <p:nvSpPr>
+          <p:cNvPr id="5" name="Text Placeholder 4"/>
           <p:cNvSpPr>
             <a:spLocks noGrp="1"/>
           </p:cNvSpPr>
@@ -1784,8 +1601,8 @@
         </p:nvSpPr>
         <p:spPr>
           <a:xfrm>
-            <a:off x="6172200" y="1681163"/>
-            <a:ext cx="5183188" cy="823912"/>
+            <a:off x="5034201" y="5277373"/>
+            <a:ext cx="4227538" cy="2586359"/>
           </a:xfrm>
         </p:spPr>
         <p:txBody>
@@ -1793,94 +1610,90 @@
           <a:lstStyle>
             <a:lvl1pPr marL="0" indent="0">
               <a:buNone/>
-              <a:defRPr sz="2400" b="1"/>
+              <a:defRPr sz="2610" b="1"/>
             </a:lvl1pPr>
-            <a:lvl2pPr marL="457200" indent="0">
-              <a:buNone/>
-              <a:defRPr sz="2000" b="1"/>
+            <a:lvl2pPr marL="497205" indent="0">
+              <a:buNone/>
+              <a:defRPr sz="2175" b="1"/>
             </a:lvl2pPr>
-            <a:lvl3pPr marL="914400" indent="0">
-              <a:buNone/>
-              <a:defRPr sz="1800" b="1"/>
+            <a:lvl3pPr marL="994410" indent="0">
+              <a:buNone/>
+              <a:defRPr sz="1958" b="1"/>
             </a:lvl3pPr>
-            <a:lvl4pPr marL="1371600" indent="0">
-              <a:buNone/>
-              <a:defRPr sz="1600" b="1"/>
+            <a:lvl4pPr marL="1491615" indent="0">
+              <a:buNone/>
+              <a:defRPr sz="1740" b="1"/>
             </a:lvl4pPr>
-            <a:lvl5pPr marL="1828800" indent="0">
-              <a:buNone/>
-              <a:defRPr sz="1600" b="1"/>
+            <a:lvl5pPr marL="1988820" indent="0">
+              <a:buNone/>
+              <a:defRPr sz="1740" b="1"/>
             </a:lvl5pPr>
-            <a:lvl6pPr marL="2286000" indent="0">
-              <a:buNone/>
-              <a:defRPr sz="1600" b="1"/>
+            <a:lvl6pPr marL="2486025" indent="0">
+              <a:buNone/>
+              <a:defRPr sz="1740" b="1"/>
             </a:lvl6pPr>
-            <a:lvl7pPr marL="2743200" indent="0">
-              <a:buNone/>
-              <a:defRPr sz="1600" b="1"/>
+            <a:lvl7pPr marL="2983230" indent="0">
+              <a:buNone/>
+              <a:defRPr sz="1740" b="1"/>
             </a:lvl7pPr>
-            <a:lvl8pPr marL="3200400" indent="0">
-              <a:buNone/>
-              <a:defRPr sz="1600" b="1"/>
+            <a:lvl8pPr marL="3480435" indent="0">
+              <a:buNone/>
+              <a:defRPr sz="1740" b="1"/>
             </a:lvl8pPr>
-            <a:lvl9pPr marL="3657600" indent="0">
-              <a:buNone/>
-              <a:defRPr sz="1600" b="1"/>
+            <a:lvl9pPr marL="3977640" indent="0">
+              <a:buNone/>
+              <a:defRPr sz="1740" b="1"/>
             </a:lvl9pPr>
           </a:lstStyle>
           <a:p>
-            <a:r>
-              <a:rPr kumimoji="1" lang="ja-JP" altLang="en-US"/>
+            <a:pPr lvl="0"/>
+            <a:r>
+              <a:rPr lang="ja-JP" altLang="en-US"/>
               <a:t>マスター テキストの書式設定
 第 </a:t>
             </a:r>
             <a:r>
-              <a:rPr kumimoji="1" lang="en-US" altLang="ja-JP"/>
+              <a:rPr lang="en-US" altLang="ja-JP"/>
               <a:t>2 </a:t>
             </a:r>
             <a:r>
-              <a:rPr kumimoji="1" lang="ja-JP" altLang="en-US"/>
-              <a:t>レベル
-第 </a:t>
-            </a:r>
-            <a:r>
-              <a:rPr kumimoji="1" lang="en-US" altLang="ja-JP"/>
+              <a:rPr lang="ja-JP" altLang="en-US"/>
+              <a:t>レベル
+第 </a:t>
+            </a:r>
+            <a:r>
+              <a:rPr lang="en-US" altLang="ja-JP"/>
               <a:t>3 </a:t>
             </a:r>
             <a:r>
-              <a:rPr kumimoji="1" lang="ja-JP" altLang="en-US"/>
-              <a:t>レベル
-第 </a:t>
-            </a:r>
-            <a:r>
-              <a:rPr kumimoji="1" lang="en-US" altLang="ja-JP"/>
+              <a:rPr lang="ja-JP" altLang="en-US"/>
+              <a:t>レベル
+第 </a:t>
+            </a:r>
+            <a:r>
+              <a:rPr lang="en-US" altLang="ja-JP"/>
               <a:t>4 </a:t>
             </a:r>
             <a:r>
-              <a:rPr kumimoji="1" lang="ja-JP" altLang="en-US"/>
-              <a:t>レベル
-第 </a:t>
-            </a:r>
-            <a:r>
-              <a:rPr kumimoji="1" lang="en-US" altLang="ja-JP"/>
+              <a:rPr lang="ja-JP" altLang="en-US"/>
+              <a:t>レベル
+第 </a:t>
+            </a:r>
+            <a:r>
+              <a:rPr lang="en-US" altLang="ja-JP"/>
               <a:t>5 </a:t>
             </a:r>
             <a:r>
-              <a:rPr kumimoji="1" lang="ja-JP" altLang="en-US"/>
+              <a:rPr lang="ja-JP" altLang="en-US"/>
               <a:t>レベル</a:t>
             </a:r>
-          </a:p>
-        </p:txBody>
-      </p:sp>
-      <p:sp>
-        <p:nvSpPr>
-          <p:cNvPr id="6" name="コンテンツ プレースホルダー 5">
-            <a:extLst>
-              <a:ext uri="{FF2B5EF4-FFF2-40B4-BE49-F238E27FC236}">
-                <a16:creationId xmlns:a16="http://schemas.microsoft.com/office/drawing/2014/main" id="{A09BE21C-F89E-E349-AA79-9D99FDDC3362}"/>
-              </a:ext>
-            </a:extLst>
-          </p:cNvPr>
+            <a:endParaRPr lang="en-US" dirty="0"/>
+          </a:p>
+        </p:txBody>
+      </p:sp>
+      <p:sp>
+        <p:nvSpPr>
+          <p:cNvPr id="6" name="Content Placeholder 5"/>
           <p:cNvSpPr>
             <a:spLocks noGrp="1"/>
           </p:cNvSpPr>
@@ -1890,66 +1703,62 @@
         </p:nvSpPr>
         <p:spPr>
           <a:xfrm>
-            <a:off x="6172200" y="2505075"/>
-            <a:ext cx="5183188" cy="3684588"/>
+            <a:off x="5034201" y="7863732"/>
+            <a:ext cx="4227538" cy="11566366"/>
           </a:xfrm>
         </p:spPr>
         <p:txBody>
           <a:bodyPr/>
           <a:lstStyle/>
           <a:p>
-            <a:r>
-              <a:rPr kumimoji="1" lang="ja-JP" altLang="en-US"/>
+            <a:pPr lvl="0"/>
+            <a:r>
+              <a:rPr lang="ja-JP" altLang="en-US"/>
               <a:t>マスター テキストの書式設定
 第 </a:t>
             </a:r>
             <a:r>
-              <a:rPr kumimoji="1" lang="en-US" altLang="ja-JP"/>
+              <a:rPr lang="en-US" altLang="ja-JP"/>
               <a:t>2 </a:t>
             </a:r>
             <a:r>
-              <a:rPr kumimoji="1" lang="ja-JP" altLang="en-US"/>
-              <a:t>レベル
-第 </a:t>
-            </a:r>
-            <a:r>
-              <a:rPr kumimoji="1" lang="en-US" altLang="ja-JP"/>
+              <a:rPr lang="ja-JP" altLang="en-US"/>
+              <a:t>レベル
+第 </a:t>
+            </a:r>
+            <a:r>
+              <a:rPr lang="en-US" altLang="ja-JP"/>
               <a:t>3 </a:t>
             </a:r>
             <a:r>
-              <a:rPr kumimoji="1" lang="ja-JP" altLang="en-US"/>
-              <a:t>レベル
-第 </a:t>
-            </a:r>
-            <a:r>
-              <a:rPr kumimoji="1" lang="en-US" altLang="ja-JP"/>
+              <a:rPr lang="ja-JP" altLang="en-US"/>
+              <a:t>レベル
+第 </a:t>
+            </a:r>
+            <a:r>
+              <a:rPr lang="en-US" altLang="ja-JP"/>
               <a:t>4 </a:t>
             </a:r>
             <a:r>
-              <a:rPr kumimoji="1" lang="ja-JP" altLang="en-US"/>
-              <a:t>レベル
-第 </a:t>
-            </a:r>
-            <a:r>
-              <a:rPr kumimoji="1" lang="en-US" altLang="ja-JP"/>
+              <a:rPr lang="ja-JP" altLang="en-US"/>
+              <a:t>レベル
+第 </a:t>
+            </a:r>
+            <a:r>
+              <a:rPr lang="en-US" altLang="ja-JP"/>
               <a:t>5 </a:t>
             </a:r>
             <a:r>
-              <a:rPr kumimoji="1" lang="ja-JP" altLang="en-US"/>
+              <a:rPr lang="ja-JP" altLang="en-US"/>
               <a:t>レベル</a:t>
             </a:r>
-          </a:p>
-        </p:txBody>
-      </p:sp>
-      <p:sp>
-        <p:nvSpPr>
-          <p:cNvPr id="7" name="日付プレースホルダー 6">
-            <a:extLst>
-              <a:ext uri="{FF2B5EF4-FFF2-40B4-BE49-F238E27FC236}">
-                <a16:creationId xmlns:a16="http://schemas.microsoft.com/office/drawing/2014/main" id="{9A703C85-3A71-454B-AF49-1FB6F305DF88}"/>
-              </a:ext>
-            </a:extLst>
-          </p:cNvPr>
+            <a:endParaRPr lang="en-US" dirty="0"/>
+          </a:p>
+        </p:txBody>
+      </p:sp>
+      <p:sp>
+        <p:nvSpPr>
+          <p:cNvPr id="7" name="Date Placeholder 6"/>
           <p:cNvSpPr>
             <a:spLocks noGrp="1"/>
           </p:cNvSpPr>
@@ -1964,7 +1773,7 @@
           <a:p>
             <a:fld id="{4181B4E1-E239-CB4B-9B56-04666A137A9E}" type="datetimeFigureOut">
               <a:rPr kumimoji="1" lang="ja-JP" altLang="en-US" smtClean="0"/>
-              <a:t>2019/9/12</a:t>
+              <a:t>2019/10/1</a:t>
             </a:fld>
             <a:endParaRPr kumimoji="1" lang="ja-JP" altLang="en-US"/>
           </a:p>
@@ -1972,13 +1781,7 @@
       </p:sp>
       <p:sp>
         <p:nvSpPr>
-          <p:cNvPr id="8" name="フッター プレースホルダー 7">
-            <a:extLst>
-              <a:ext uri="{FF2B5EF4-FFF2-40B4-BE49-F238E27FC236}">
-                <a16:creationId xmlns:a16="http://schemas.microsoft.com/office/drawing/2014/main" id="{E2C15182-1619-6E46-89E2-B2202F5F4EB7}"/>
-              </a:ext>
-            </a:extLst>
-          </p:cNvPr>
+          <p:cNvPr id="8" name="Footer Placeholder 7"/>
           <p:cNvSpPr>
             <a:spLocks noGrp="1"/>
           </p:cNvSpPr>
@@ -1997,13 +1800,7 @@
       </p:sp>
       <p:sp>
         <p:nvSpPr>
-          <p:cNvPr id="9" name="スライド番号プレースホルダー 8">
-            <a:extLst>
-              <a:ext uri="{FF2B5EF4-FFF2-40B4-BE49-F238E27FC236}">
-                <a16:creationId xmlns:a16="http://schemas.microsoft.com/office/drawing/2014/main" id="{FA9FF4B3-FB4A-5948-BDC6-9C8DACBDF5DB}"/>
-              </a:ext>
-            </a:extLst>
-          </p:cNvPr>
+          <p:cNvPr id="9" name="Slide Number Placeholder 8"/>
           <p:cNvSpPr>
             <a:spLocks noGrp="1"/>
           </p:cNvSpPr>
@@ -2027,7 +1824,7 @@
     </p:spTree>
     <p:extLst>
       <p:ext uri="{BB962C8B-B14F-4D97-AF65-F5344CB8AC3E}">
-        <p14:creationId xmlns:p14="http://schemas.microsoft.com/office/powerpoint/2010/main" val="2118537935"/>
+        <p14:creationId xmlns:p14="http://schemas.microsoft.com/office/powerpoint/2010/main" val="1568481940"/>
       </p:ext>
     </p:extLst>
   </p:cSld>
@@ -2056,13 +1853,7 @@
       </p:grpSpPr>
       <p:sp>
         <p:nvSpPr>
-          <p:cNvPr id="2" name="タイトル 1">
-            <a:extLst>
-              <a:ext uri="{FF2B5EF4-FFF2-40B4-BE49-F238E27FC236}">
-                <a16:creationId xmlns:a16="http://schemas.microsoft.com/office/drawing/2014/main" id="{64D6E569-B2F8-3347-952D-CD960F8C4F3F}"/>
-              </a:ext>
-            </a:extLst>
-          </p:cNvPr>
+          <p:cNvPr id="2" name="Title 1"/>
           <p:cNvSpPr>
             <a:spLocks noGrp="1"/>
           </p:cNvSpPr>
@@ -2076,21 +1867,16 @@
           <a:lstStyle/>
           <a:p>
             <a:r>
-              <a:rPr kumimoji="1" lang="ja-JP" altLang="en-US"/>
+              <a:rPr lang="ja-JP" altLang="en-US"/>
               <a:t>マスター タイトルの書式設定</a:t>
             </a:r>
-          </a:p>
-        </p:txBody>
-      </p:sp>
-      <p:sp>
-        <p:nvSpPr>
-          <p:cNvPr id="3" name="日付プレースホルダー 2">
-            <a:extLst>
-              <a:ext uri="{FF2B5EF4-FFF2-40B4-BE49-F238E27FC236}">
-                <a16:creationId xmlns:a16="http://schemas.microsoft.com/office/drawing/2014/main" id="{51D13C22-F3F4-1249-B3BE-E73D5B542E66}"/>
-              </a:ext>
-            </a:extLst>
-          </p:cNvPr>
+            <a:endParaRPr lang="en-US" dirty="0"/>
+          </a:p>
+        </p:txBody>
+      </p:sp>
+      <p:sp>
+        <p:nvSpPr>
+          <p:cNvPr id="3" name="Date Placeholder 2"/>
           <p:cNvSpPr>
             <a:spLocks noGrp="1"/>
           </p:cNvSpPr>
@@ -2105,7 +1891,7 @@
           <a:p>
             <a:fld id="{4181B4E1-E239-CB4B-9B56-04666A137A9E}" type="datetimeFigureOut">
               <a:rPr kumimoji="1" lang="ja-JP" altLang="en-US" smtClean="0"/>
-              <a:t>2019/9/12</a:t>
+              <a:t>2019/10/1</a:t>
             </a:fld>
             <a:endParaRPr kumimoji="1" lang="ja-JP" altLang="en-US"/>
           </a:p>
@@ -2113,13 +1899,7 @@
       </p:sp>
       <p:sp>
         <p:nvSpPr>
-          <p:cNvPr id="4" name="フッター プレースホルダー 3">
-            <a:extLst>
-              <a:ext uri="{FF2B5EF4-FFF2-40B4-BE49-F238E27FC236}">
-                <a16:creationId xmlns:a16="http://schemas.microsoft.com/office/drawing/2014/main" id="{9F911831-592C-E84D-A32A-F959260E3EE6}"/>
-              </a:ext>
-            </a:extLst>
-          </p:cNvPr>
+          <p:cNvPr id="4" name="Footer Placeholder 3"/>
           <p:cNvSpPr>
             <a:spLocks noGrp="1"/>
           </p:cNvSpPr>
@@ -2138,13 +1918,7 @@
       </p:sp>
       <p:sp>
         <p:nvSpPr>
-          <p:cNvPr id="5" name="スライド番号プレースホルダー 4">
-            <a:extLst>
-              <a:ext uri="{FF2B5EF4-FFF2-40B4-BE49-F238E27FC236}">
-                <a16:creationId xmlns:a16="http://schemas.microsoft.com/office/drawing/2014/main" id="{6AE76C84-045D-FF45-AE4A-C0DD8165A5E9}"/>
-              </a:ext>
-            </a:extLst>
-          </p:cNvPr>
+          <p:cNvPr id="5" name="Slide Number Placeholder 4"/>
           <p:cNvSpPr>
             <a:spLocks noGrp="1"/>
           </p:cNvSpPr>
@@ -2168,7 +1942,7 @@
     </p:spTree>
     <p:extLst>
       <p:ext uri="{BB962C8B-B14F-4D97-AF65-F5344CB8AC3E}">
-        <p14:creationId xmlns:p14="http://schemas.microsoft.com/office/powerpoint/2010/main" val="1670188873"/>
+        <p14:creationId xmlns:p14="http://schemas.microsoft.com/office/powerpoint/2010/main" val="4019600266"/>
       </p:ext>
     </p:extLst>
   </p:cSld>
@@ -2197,13 +1971,7 @@
       </p:grpSpPr>
       <p:sp>
         <p:nvSpPr>
-          <p:cNvPr id="2" name="日付プレースホルダー 1">
-            <a:extLst>
-              <a:ext uri="{FF2B5EF4-FFF2-40B4-BE49-F238E27FC236}">
-                <a16:creationId xmlns:a16="http://schemas.microsoft.com/office/drawing/2014/main" id="{476267CF-D235-9949-B81D-2BA8296E8275}"/>
-              </a:ext>
-            </a:extLst>
-          </p:cNvPr>
+          <p:cNvPr id="2" name="Date Placeholder 1"/>
           <p:cNvSpPr>
             <a:spLocks noGrp="1"/>
           </p:cNvSpPr>
@@ -2218,7 +1986,7 @@
           <a:p>
             <a:fld id="{4181B4E1-E239-CB4B-9B56-04666A137A9E}" type="datetimeFigureOut">
               <a:rPr kumimoji="1" lang="ja-JP" altLang="en-US" smtClean="0"/>
-              <a:t>2019/9/12</a:t>
+              <a:t>2019/10/1</a:t>
             </a:fld>
             <a:endParaRPr kumimoji="1" lang="ja-JP" altLang="en-US"/>
           </a:p>
@@ -2226,13 +1994,7 @@
       </p:sp>
       <p:sp>
         <p:nvSpPr>
-          <p:cNvPr id="3" name="フッター プレースホルダー 2">
-            <a:extLst>
-              <a:ext uri="{FF2B5EF4-FFF2-40B4-BE49-F238E27FC236}">
-                <a16:creationId xmlns:a16="http://schemas.microsoft.com/office/drawing/2014/main" id="{B333BD2B-F465-F04E-948E-EA919605DA9A}"/>
-              </a:ext>
-            </a:extLst>
-          </p:cNvPr>
+          <p:cNvPr id="3" name="Footer Placeholder 2"/>
           <p:cNvSpPr>
             <a:spLocks noGrp="1"/>
           </p:cNvSpPr>
@@ -2251,13 +2013,7 @@
       </p:sp>
       <p:sp>
         <p:nvSpPr>
-          <p:cNvPr id="4" name="スライド番号プレースホルダー 3">
-            <a:extLst>
-              <a:ext uri="{FF2B5EF4-FFF2-40B4-BE49-F238E27FC236}">
-                <a16:creationId xmlns:a16="http://schemas.microsoft.com/office/drawing/2014/main" id="{945DB3D0-6543-B849-91DC-6CD794EA7D04}"/>
-              </a:ext>
-            </a:extLst>
-          </p:cNvPr>
+          <p:cNvPr id="4" name="Slide Number Placeholder 3"/>
           <p:cNvSpPr>
             <a:spLocks noGrp="1"/>
           </p:cNvSpPr>
@@ -2281,7 +2037,7 @@
     </p:spTree>
     <p:extLst>
       <p:ext uri="{BB962C8B-B14F-4D97-AF65-F5344CB8AC3E}">
-        <p14:creationId xmlns:p14="http://schemas.microsoft.com/office/powerpoint/2010/main" val="1656822346"/>
+        <p14:creationId xmlns:p14="http://schemas.microsoft.com/office/powerpoint/2010/main" val="3635860075"/>
       </p:ext>
     </p:extLst>
   </p:cSld>
@@ -2310,13 +2066,7 @@
       </p:grpSpPr>
       <p:sp>
         <p:nvSpPr>
-          <p:cNvPr id="2" name="タイトル 1">
-            <a:extLst>
-              <a:ext uri="{FF2B5EF4-FFF2-40B4-BE49-F238E27FC236}">
-                <a16:creationId xmlns:a16="http://schemas.microsoft.com/office/drawing/2014/main" id="{B23ABFFB-993B-7248-A733-B670CF142C9D}"/>
-              </a:ext>
-            </a:extLst>
-          </p:cNvPr>
+          <p:cNvPr id="2" name="Title 1"/>
           <p:cNvSpPr>
             <a:spLocks noGrp="1"/>
           </p:cNvSpPr>
@@ -2326,34 +2076,29 @@
         </p:nvSpPr>
         <p:spPr>
           <a:xfrm>
-            <a:off x="839788" y="457200"/>
-            <a:ext cx="3932237" cy="1600200"/>
+            <a:off x="684952" y="1435206"/>
+            <a:ext cx="3207231" cy="5023221"/>
           </a:xfrm>
         </p:spPr>
         <p:txBody>
           <a:bodyPr anchor="b"/>
           <a:lstStyle>
             <a:lvl1pPr>
-              <a:defRPr sz="3200"/>
+              <a:defRPr sz="3480"/>
             </a:lvl1pPr>
           </a:lstStyle>
           <a:p>
             <a:r>
-              <a:rPr kumimoji="1" lang="ja-JP" altLang="en-US"/>
+              <a:rPr lang="ja-JP" altLang="en-US"/>
               <a:t>マスター タイトルの書式設定</a:t>
             </a:r>
-          </a:p>
-        </p:txBody>
-      </p:sp>
-      <p:sp>
-        <p:nvSpPr>
-          <p:cNvPr id="3" name="コンテンツ プレースホルダー 2">
-            <a:extLst>
-              <a:ext uri="{FF2B5EF4-FFF2-40B4-BE49-F238E27FC236}">
-                <a16:creationId xmlns:a16="http://schemas.microsoft.com/office/drawing/2014/main" id="{82985CC6-59DD-3F4B-A787-13149BF4A0C4}"/>
-              </a:ext>
-            </a:extLst>
-          </p:cNvPr>
+            <a:endParaRPr lang="en-US" dirty="0"/>
+          </a:p>
+        </p:txBody>
+      </p:sp>
+      <p:sp>
+        <p:nvSpPr>
+          <p:cNvPr id="3" name="Content Placeholder 2"/>
           <p:cNvSpPr>
             <a:spLocks noGrp="1"/>
           </p:cNvSpPr>
@@ -2363,94 +2108,90 @@
         </p:nvSpPr>
         <p:spPr>
           <a:xfrm>
-            <a:off x="5183188" y="987425"/>
-            <a:ext cx="6172200" cy="4873625"/>
+            <a:off x="4227538" y="3099651"/>
+            <a:ext cx="5034201" cy="15298896"/>
           </a:xfrm>
         </p:spPr>
         <p:txBody>
           <a:bodyPr/>
           <a:lstStyle>
             <a:lvl1pPr>
-              <a:defRPr sz="3200"/>
+              <a:defRPr sz="3480"/>
             </a:lvl1pPr>
             <a:lvl2pPr>
-              <a:defRPr sz="2800"/>
+              <a:defRPr sz="3045"/>
             </a:lvl2pPr>
             <a:lvl3pPr>
-              <a:defRPr sz="2400"/>
+              <a:defRPr sz="2610"/>
             </a:lvl3pPr>
             <a:lvl4pPr>
-              <a:defRPr sz="2000"/>
+              <a:defRPr sz="2175"/>
             </a:lvl4pPr>
             <a:lvl5pPr>
-              <a:defRPr sz="2000"/>
+              <a:defRPr sz="2175"/>
             </a:lvl5pPr>
             <a:lvl6pPr>
-              <a:defRPr sz="2000"/>
+              <a:defRPr sz="2175"/>
             </a:lvl6pPr>
             <a:lvl7pPr>
-              <a:defRPr sz="2000"/>
+              <a:defRPr sz="2175"/>
             </a:lvl7pPr>
             <a:lvl8pPr>
-              <a:defRPr sz="2000"/>
+              <a:defRPr sz="2175"/>
             </a:lvl8pPr>
             <a:lvl9pPr>
-              <a:defRPr sz="2000"/>
+              <a:defRPr sz="2175"/>
             </a:lvl9pPr>
           </a:lstStyle>
           <a:p>
-            <a:r>
-              <a:rPr kumimoji="1" lang="ja-JP" altLang="en-US"/>
+            <a:pPr lvl="0"/>
+            <a:r>
+              <a:rPr lang="ja-JP" altLang="en-US"/>
               <a:t>マスター テキストの書式設定
 第 </a:t>
             </a:r>
             <a:r>
-              <a:rPr kumimoji="1" lang="en-US" altLang="ja-JP"/>
+              <a:rPr lang="en-US" altLang="ja-JP"/>
               <a:t>2 </a:t>
             </a:r>
             <a:r>
-              <a:rPr kumimoji="1" lang="ja-JP" altLang="en-US"/>
-              <a:t>レベル
-第 </a:t>
-            </a:r>
-            <a:r>
-              <a:rPr kumimoji="1" lang="en-US" altLang="ja-JP"/>
+              <a:rPr lang="ja-JP" altLang="en-US"/>
+              <a:t>レベル
+第 </a:t>
+            </a:r>
+            <a:r>
+              <a:rPr lang="en-US" altLang="ja-JP"/>
               <a:t>3 </a:t>
             </a:r>
             <a:r>
-              <a:rPr kumimoji="1" lang="ja-JP" altLang="en-US"/>
-              <a:t>レベル
-第 </a:t>
-            </a:r>
-            <a:r>
-              <a:rPr kumimoji="1" lang="en-US" altLang="ja-JP"/>
+              <a:rPr lang="ja-JP" altLang="en-US"/>
+              <a:t>レベル
+第 </a:t>
+            </a:r>
+            <a:r>
+              <a:rPr lang="en-US" altLang="ja-JP"/>
               <a:t>4 </a:t>
             </a:r>
             <a:r>
-              <a:rPr kumimoji="1" lang="ja-JP" altLang="en-US"/>
-              <a:t>レベル
-第 </a:t>
-            </a:r>
-            <a:r>
-              <a:rPr kumimoji="1" lang="en-US" altLang="ja-JP"/>
+              <a:rPr lang="ja-JP" altLang="en-US"/>
+              <a:t>レベル
+第 </a:t>
+            </a:r>
+            <a:r>
+              <a:rPr lang="en-US" altLang="ja-JP"/>
               <a:t>5 </a:t>
             </a:r>
             <a:r>
-              <a:rPr kumimoji="1" lang="ja-JP" altLang="en-US"/>
+              <a:rPr lang="ja-JP" altLang="en-US"/>
               <a:t>レベル</a:t>
             </a:r>
-          </a:p>
-        </p:txBody>
-      </p:sp>
-      <p:sp>
-        <p:nvSpPr>
-          <p:cNvPr id="4" name="テキスト プレースホルダー 3">
-            <a:extLst>
-              <a:ext uri="{FF2B5EF4-FFF2-40B4-BE49-F238E27FC236}">
-                <a16:creationId xmlns:a16="http://schemas.microsoft.com/office/drawing/2014/main" id="{6F01DDCC-0091-024B-93EE-B9CC2B6618C6}"/>
-              </a:ext>
-            </a:extLst>
-          </p:cNvPr>
+            <a:endParaRPr lang="en-US" dirty="0"/>
+          </a:p>
+        </p:txBody>
+      </p:sp>
+      <p:sp>
+        <p:nvSpPr>
+          <p:cNvPr id="4" name="Text Placeholder 3"/>
           <p:cNvSpPr>
             <a:spLocks noGrp="1"/>
           </p:cNvSpPr>
@@ -2460,8 +2201,8 @@
         </p:nvSpPr>
         <p:spPr>
           <a:xfrm>
-            <a:off x="839788" y="2057400"/>
-            <a:ext cx="3932237" cy="3811588"/>
+            <a:off x="684952" y="6458426"/>
+            <a:ext cx="3207231" cy="11965034"/>
           </a:xfrm>
         </p:spPr>
         <p:txBody>
@@ -2469,94 +2210,90 @@
           <a:lstStyle>
             <a:lvl1pPr marL="0" indent="0">
               <a:buNone/>
-              <a:defRPr sz="1600"/>
+              <a:defRPr sz="1740"/>
             </a:lvl1pPr>
-            <a:lvl2pPr marL="457200" indent="0">
-              <a:buNone/>
-              <a:defRPr sz="1400"/>
+            <a:lvl2pPr marL="497205" indent="0">
+              <a:buNone/>
+              <a:defRPr sz="1523"/>
             </a:lvl2pPr>
-            <a:lvl3pPr marL="914400" indent="0">
-              <a:buNone/>
-              <a:defRPr sz="1200"/>
+            <a:lvl3pPr marL="994410" indent="0">
+              <a:buNone/>
+              <a:defRPr sz="1305"/>
             </a:lvl3pPr>
-            <a:lvl4pPr marL="1371600" indent="0">
-              <a:buNone/>
-              <a:defRPr sz="1000"/>
+            <a:lvl4pPr marL="1491615" indent="0">
+              <a:buNone/>
+              <a:defRPr sz="1088"/>
             </a:lvl4pPr>
-            <a:lvl5pPr marL="1828800" indent="0">
-              <a:buNone/>
-              <a:defRPr sz="1000"/>
+            <a:lvl5pPr marL="1988820" indent="0">
+              <a:buNone/>
+              <a:defRPr sz="1088"/>
             </a:lvl5pPr>
-            <a:lvl6pPr marL="2286000" indent="0">
-              <a:buNone/>
-              <a:defRPr sz="1000"/>
+            <a:lvl6pPr marL="2486025" indent="0">
+              <a:buNone/>
+              <a:defRPr sz="1088"/>
             </a:lvl6pPr>
-            <a:lvl7pPr marL="2743200" indent="0">
-              <a:buNone/>
-              <a:defRPr sz="1000"/>
+            <a:lvl7pPr marL="2983230" indent="0">
+              <a:buNone/>
+              <a:defRPr sz="1088"/>
             </a:lvl7pPr>
-            <a:lvl8pPr marL="3200400" indent="0">
-              <a:buNone/>
-              <a:defRPr sz="1000"/>
+            <a:lvl8pPr marL="3480435" indent="0">
+              <a:buNone/>
+              <a:defRPr sz="1088"/>
             </a:lvl8pPr>
-            <a:lvl9pPr marL="3657600" indent="0">
-              <a:buNone/>
-              <a:defRPr sz="1000"/>
+            <a:lvl9pPr marL="3977640" indent="0">
+              <a:buNone/>
+              <a:defRPr sz="1088"/>
             </a:lvl9pPr>
           </a:lstStyle>
           <a:p>
-            <a:r>
-              <a:rPr kumimoji="1" lang="ja-JP" altLang="en-US"/>
+            <a:pPr lvl="0"/>
+            <a:r>
+              <a:rPr lang="ja-JP" altLang="en-US"/>
               <a:t>マスター テキストの書式設定
 第 </a:t>
             </a:r>
             <a:r>
-              <a:rPr kumimoji="1" lang="en-US" altLang="ja-JP"/>
+              <a:rPr lang="en-US" altLang="ja-JP"/>
               <a:t>2 </a:t>
             </a:r>
             <a:r>
-              <a:rPr kumimoji="1" lang="ja-JP" altLang="en-US"/>
-              <a:t>レベル
-第 </a:t>
-            </a:r>
-            <a:r>
-              <a:rPr kumimoji="1" lang="en-US" altLang="ja-JP"/>
+              <a:rPr lang="ja-JP" altLang="en-US"/>
+              <a:t>レベル
+第 </a:t>
+            </a:r>
+            <a:r>
+              <a:rPr lang="en-US" altLang="ja-JP"/>
               <a:t>3 </a:t>
             </a:r>
             <a:r>
-              <a:rPr kumimoji="1" lang="ja-JP" altLang="en-US"/>
-              <a:t>レベル
-第 </a:t>
-            </a:r>
-            <a:r>
-              <a:rPr kumimoji="1" lang="en-US" altLang="ja-JP"/>
+              <a:rPr lang="ja-JP" altLang="en-US"/>
+              <a:t>レベル
+第 </a:t>
+            </a:r>
+            <a:r>
+              <a:rPr lang="en-US" altLang="ja-JP"/>
               <a:t>4 </a:t>
             </a:r>
             <a:r>
-              <a:rPr kumimoji="1" lang="ja-JP" altLang="en-US"/>
-              <a:t>レベル
-第 </a:t>
-            </a:r>
-            <a:r>
-              <a:rPr kumimoji="1" lang="en-US" altLang="ja-JP"/>
+              <a:rPr lang="ja-JP" altLang="en-US"/>
+              <a:t>レベル
+第 </a:t>
+            </a:r>
+            <a:r>
+              <a:rPr lang="en-US" altLang="ja-JP"/>
               <a:t>5 </a:t>
             </a:r>
             <a:r>
-              <a:rPr kumimoji="1" lang="ja-JP" altLang="en-US"/>
+              <a:rPr lang="ja-JP" altLang="en-US"/>
               <a:t>レベル</a:t>
             </a:r>
-          </a:p>
-        </p:txBody>
-      </p:sp>
-      <p:sp>
-        <p:nvSpPr>
-          <p:cNvPr id="5" name="日付プレースホルダー 4">
-            <a:extLst>
-              <a:ext uri="{FF2B5EF4-FFF2-40B4-BE49-F238E27FC236}">
-                <a16:creationId xmlns:a16="http://schemas.microsoft.com/office/drawing/2014/main" id="{735968FE-FC01-BF4E-A504-C9FD81946499}"/>
-              </a:ext>
-            </a:extLst>
-          </p:cNvPr>
+            <a:endParaRPr lang="en-US" dirty="0"/>
+          </a:p>
+        </p:txBody>
+      </p:sp>
+      <p:sp>
+        <p:nvSpPr>
+          <p:cNvPr id="5" name="Date Placeholder 4"/>
           <p:cNvSpPr>
             <a:spLocks noGrp="1"/>
           </p:cNvSpPr>
@@ -2571,7 +2308,7 @@
           <a:p>
             <a:fld id="{4181B4E1-E239-CB4B-9B56-04666A137A9E}" type="datetimeFigureOut">
               <a:rPr kumimoji="1" lang="ja-JP" altLang="en-US" smtClean="0"/>
-              <a:t>2019/9/12</a:t>
+              <a:t>2019/10/1</a:t>
             </a:fld>
             <a:endParaRPr kumimoji="1" lang="ja-JP" altLang="en-US"/>
           </a:p>
@@ -2579,13 +2316,7 @@
       </p:sp>
       <p:sp>
         <p:nvSpPr>
-          <p:cNvPr id="6" name="フッター プレースホルダー 5">
-            <a:extLst>
-              <a:ext uri="{FF2B5EF4-FFF2-40B4-BE49-F238E27FC236}">
-                <a16:creationId xmlns:a16="http://schemas.microsoft.com/office/drawing/2014/main" id="{9CF04974-5930-F149-80CB-D9B5713D6083}"/>
-              </a:ext>
-            </a:extLst>
-          </p:cNvPr>
+          <p:cNvPr id="6" name="Footer Placeholder 5"/>
           <p:cNvSpPr>
             <a:spLocks noGrp="1"/>
           </p:cNvSpPr>
@@ -2604,13 +2335,7 @@
       </p:sp>
       <p:sp>
         <p:nvSpPr>
-          <p:cNvPr id="7" name="スライド番号プレースホルダー 6">
-            <a:extLst>
-              <a:ext uri="{FF2B5EF4-FFF2-40B4-BE49-F238E27FC236}">
-                <a16:creationId xmlns:a16="http://schemas.microsoft.com/office/drawing/2014/main" id="{5A1AAD81-2BC4-8F46-88EF-67779C1430F3}"/>
-              </a:ext>
-            </a:extLst>
-          </p:cNvPr>
+          <p:cNvPr id="7" name="Slide Number Placeholder 6"/>
           <p:cNvSpPr>
             <a:spLocks noGrp="1"/>
           </p:cNvSpPr>
@@ -2634,7 +2359,7 @@
     </p:spTree>
     <p:extLst>
       <p:ext uri="{BB962C8B-B14F-4D97-AF65-F5344CB8AC3E}">
-        <p14:creationId xmlns:p14="http://schemas.microsoft.com/office/powerpoint/2010/main" val="1450576081"/>
+        <p14:creationId xmlns:p14="http://schemas.microsoft.com/office/powerpoint/2010/main" val="3199384183"/>
       </p:ext>
     </p:extLst>
   </p:cSld>
@@ -2663,13 +2388,7 @@
       </p:grpSpPr>
       <p:sp>
         <p:nvSpPr>
-          <p:cNvPr id="2" name="タイトル 1">
-            <a:extLst>
-              <a:ext uri="{FF2B5EF4-FFF2-40B4-BE49-F238E27FC236}">
-                <a16:creationId xmlns:a16="http://schemas.microsoft.com/office/drawing/2014/main" id="{456F02AF-F584-EE4A-B173-38374611D441}"/>
-              </a:ext>
-            </a:extLst>
-          </p:cNvPr>
+          <p:cNvPr id="2" name="Title 1"/>
           <p:cNvSpPr>
             <a:spLocks noGrp="1"/>
           </p:cNvSpPr>
@@ -2679,36 +2398,31 @@
         </p:nvSpPr>
         <p:spPr>
           <a:xfrm>
-            <a:off x="839788" y="457200"/>
-            <a:ext cx="3932237" cy="1600200"/>
+            <a:off x="684952" y="1435206"/>
+            <a:ext cx="3207231" cy="5023221"/>
           </a:xfrm>
         </p:spPr>
         <p:txBody>
           <a:bodyPr anchor="b"/>
           <a:lstStyle>
             <a:lvl1pPr>
-              <a:defRPr sz="3200"/>
+              <a:defRPr sz="3480"/>
             </a:lvl1pPr>
           </a:lstStyle>
           <a:p>
             <a:r>
-              <a:rPr kumimoji="1" lang="ja-JP" altLang="en-US"/>
+              <a:rPr lang="ja-JP" altLang="en-US"/>
               <a:t>マスター タイトルの書式設定</a:t>
             </a:r>
-          </a:p>
-        </p:txBody>
-      </p:sp>
-      <p:sp>
-        <p:nvSpPr>
-          <p:cNvPr id="3" name="図プレースホルダー 2">
-            <a:extLst>
-              <a:ext uri="{FF2B5EF4-FFF2-40B4-BE49-F238E27FC236}">
-                <a16:creationId xmlns:a16="http://schemas.microsoft.com/office/drawing/2014/main" id="{78FBA974-6C0E-2D44-9DF0-247B72D1796A}"/>
-              </a:ext>
-            </a:extLst>
-          </p:cNvPr>
-          <p:cNvSpPr>
-            <a:spLocks noGrp="1"/>
+            <a:endParaRPr lang="en-US" dirty="0"/>
+          </a:p>
+        </p:txBody>
+      </p:sp>
+      <p:sp>
+        <p:nvSpPr>
+          <p:cNvPr id="3" name="Picture Placeholder 2"/>
+          <p:cNvSpPr>
+            <a:spLocks noGrp="1" noChangeAspect="1"/>
           </p:cNvSpPr>
           <p:nvPr>
             <p:ph type="pic" idx="1"/>
@@ -2716,64 +2430,62 @@
         </p:nvSpPr>
         <p:spPr>
           <a:xfrm>
-            <a:off x="5183188" y="987425"/>
-            <a:ext cx="6172200" cy="4873625"/>
+            <a:off x="4227538" y="3099651"/>
+            <a:ext cx="5034201" cy="15298896"/>
           </a:xfrm>
         </p:spPr>
         <p:txBody>
-          <a:bodyPr/>
+          <a:bodyPr anchor="t"/>
           <a:lstStyle>
             <a:lvl1pPr marL="0" indent="0">
               <a:buNone/>
-              <a:defRPr sz="3200"/>
+              <a:defRPr sz="3480"/>
             </a:lvl1pPr>
-            <a:lvl2pPr marL="457200" indent="0">
-              <a:buNone/>
-              <a:defRPr sz="2800"/>
+            <a:lvl2pPr marL="497205" indent="0">
+              <a:buNone/>
+              <a:defRPr sz="3045"/>
             </a:lvl2pPr>
-            <a:lvl3pPr marL="914400" indent="0">
-              <a:buNone/>
-              <a:defRPr sz="2400"/>
+            <a:lvl3pPr marL="994410" indent="0">
+              <a:buNone/>
+              <a:defRPr sz="2610"/>
             </a:lvl3pPr>
-            <a:lvl4pPr marL="1371600" indent="0">
-              <a:buNone/>
-              <a:defRPr sz="2000"/>
+            <a:lvl4pPr marL="1491615" indent="0">
+              <a:buNone/>
+              <a:defRPr sz="2175"/>
             </a:lvl4pPr>
-            <a:lvl5pPr marL="1828800" indent="0">
-              <a:buNone/>
-              <a:defRPr sz="2000"/>
+            <a:lvl5pPr marL="1988820" indent="0">
+              <a:buNone/>
+              <a:defRPr sz="2175"/>
             </a:lvl5pPr>
-            <a:lvl6pPr marL="2286000" indent="0">
-              <a:buNone/>
-              <a:defRPr sz="2000"/>
+            <a:lvl6pPr marL="2486025" indent="0">
+              <a:buNone/>
+              <a:defRPr sz="2175"/>
             </a:lvl6pPr>
-            <a:lvl7pPr marL="2743200" indent="0">
-              <a:buNone/>
-              <a:defRPr sz="2000"/>
+            <a:lvl7pPr marL="2983230" indent="0">
+              <a:buNone/>
+              <a:defRPr sz="2175"/>
             </a:lvl7pPr>
-            <a:lvl8pPr marL="3200400" indent="0">
-              <a:buNone/>
-              <a:defRPr sz="2000"/>
+            <a:lvl8pPr marL="3480435" indent="0">
+              <a:buNone/>
+              <a:defRPr sz="2175"/>
             </a:lvl8pPr>
-            <a:lvl9pPr marL="3657600" indent="0">
-              <a:buNone/>
-              <a:defRPr sz="2000"/>
+            <a:lvl9pPr marL="3977640" indent="0">
+              <a:buNone/>
+              <a:defRPr sz="2175"/>
             </a:lvl9pPr>
           </a:lstStyle>
           <a:p>
-            <a:endParaRPr kumimoji="1" lang="ja-JP" altLang="en-US"/>
-          </a:p>
-        </p:txBody>
-      </p:sp>
-      <p:sp>
-        <p:nvSpPr>
-          <p:cNvPr id="4" name="テキスト プレースホルダー 3">
-            <a:extLst>
-              <a:ext uri="{FF2B5EF4-FFF2-40B4-BE49-F238E27FC236}">
-                <a16:creationId xmlns:a16="http://schemas.microsoft.com/office/drawing/2014/main" id="{1A43012B-7AFE-F943-993C-90C33C25C8AD}"/>
-              </a:ext>
-            </a:extLst>
-          </p:cNvPr>
+            <a:r>
+              <a:rPr lang="ja-JP" altLang="en-US"/>
+              <a:t>アイコンをクリックして図を追加</a:t>
+            </a:r>
+            <a:endParaRPr lang="en-US" dirty="0"/>
+          </a:p>
+        </p:txBody>
+      </p:sp>
+      <p:sp>
+        <p:nvSpPr>
+          <p:cNvPr id="4" name="Text Placeholder 3"/>
           <p:cNvSpPr>
             <a:spLocks noGrp="1"/>
           </p:cNvSpPr>
@@ -2783,8 +2495,8 @@
         </p:nvSpPr>
         <p:spPr>
           <a:xfrm>
-            <a:off x="839788" y="2057400"/>
-            <a:ext cx="3932237" cy="3811588"/>
+            <a:off x="684952" y="6458426"/>
+            <a:ext cx="3207231" cy="11965034"/>
           </a:xfrm>
         </p:spPr>
         <p:txBody>
@@ -2792,94 +2504,90 @@
           <a:lstStyle>
             <a:lvl1pPr marL="0" indent="0">
               <a:buNone/>
-              <a:defRPr sz="1600"/>
+              <a:defRPr sz="1740"/>
             </a:lvl1pPr>
-            <a:lvl2pPr marL="457200" indent="0">
-              <a:buNone/>
-              <a:defRPr sz="1400"/>
+            <a:lvl2pPr marL="497205" indent="0">
+              <a:buNone/>
+              <a:defRPr sz="1523"/>
             </a:lvl2pPr>
-            <a:lvl3pPr marL="914400" indent="0">
-              <a:buNone/>
-              <a:defRPr sz="1200"/>
+            <a:lvl3pPr marL="994410" indent="0">
+              <a:buNone/>
+              <a:defRPr sz="1305"/>
             </a:lvl3pPr>
-            <a:lvl4pPr marL="1371600" indent="0">
-              <a:buNone/>
-              <a:defRPr sz="1000"/>
+            <a:lvl4pPr marL="1491615" indent="0">
+              <a:buNone/>
+              <a:defRPr sz="1088"/>
             </a:lvl4pPr>
-            <a:lvl5pPr marL="1828800" indent="0">
-              <a:buNone/>
-              <a:defRPr sz="1000"/>
+            <a:lvl5pPr marL="1988820" indent="0">
+              <a:buNone/>
+              <a:defRPr sz="1088"/>
             </a:lvl5pPr>
-            <a:lvl6pPr marL="2286000" indent="0">
-              <a:buNone/>
-              <a:defRPr sz="1000"/>
+            <a:lvl6pPr marL="2486025" indent="0">
+              <a:buNone/>
+              <a:defRPr sz="1088"/>
             </a:lvl6pPr>
-            <a:lvl7pPr marL="2743200" indent="0">
-              <a:buNone/>
-              <a:defRPr sz="1000"/>
+            <a:lvl7pPr marL="2983230" indent="0">
+              <a:buNone/>
+              <a:defRPr sz="1088"/>
             </a:lvl7pPr>
-            <a:lvl8pPr marL="3200400" indent="0">
-              <a:buNone/>
-              <a:defRPr sz="1000"/>
+            <a:lvl8pPr marL="3480435" indent="0">
+              <a:buNone/>
+              <a:defRPr sz="1088"/>
             </a:lvl8pPr>
-            <a:lvl9pPr marL="3657600" indent="0">
-              <a:buNone/>
-              <a:defRPr sz="1000"/>
+            <a:lvl9pPr marL="3977640" indent="0">
+              <a:buNone/>
+              <a:defRPr sz="1088"/>
             </a:lvl9pPr>
           </a:lstStyle>
           <a:p>
-            <a:r>
-              <a:rPr kumimoji="1" lang="ja-JP" altLang="en-US"/>
+            <a:pPr lvl="0"/>
+            <a:r>
+              <a:rPr lang="ja-JP" altLang="en-US"/>
               <a:t>マスター テキストの書式設定
 第 </a:t>
             </a:r>
             <a:r>
-              <a:rPr kumimoji="1" lang="en-US" altLang="ja-JP"/>
+              <a:rPr lang="en-US" altLang="ja-JP"/>
               <a:t>2 </a:t>
             </a:r>
             <a:r>
-              <a:rPr kumimoji="1" lang="ja-JP" altLang="en-US"/>
-              <a:t>レベル
-第 </a:t>
-            </a:r>
-            <a:r>
-              <a:rPr kumimoji="1" lang="en-US" altLang="ja-JP"/>
+              <a:rPr lang="ja-JP" altLang="en-US"/>
+              <a:t>レベル
+第 </a:t>
+            </a:r>
+            <a:r>
+              <a:rPr lang="en-US" altLang="ja-JP"/>
               <a:t>3 </a:t>
             </a:r>
             <a:r>
-              <a:rPr kumimoji="1" lang="ja-JP" altLang="en-US"/>
-              <a:t>レベル
-第 </a:t>
-            </a:r>
-            <a:r>
-              <a:rPr kumimoji="1" lang="en-US" altLang="ja-JP"/>
+              <a:rPr lang="ja-JP" altLang="en-US"/>
+              <a:t>レベル
+第 </a:t>
+            </a:r>
+            <a:r>
+              <a:rPr lang="en-US" altLang="ja-JP"/>
               <a:t>4 </a:t>
             </a:r>
             <a:r>
-              <a:rPr kumimoji="1" lang="ja-JP" altLang="en-US"/>
-              <a:t>レベル
-第 </a:t>
-            </a:r>
-            <a:r>
-              <a:rPr kumimoji="1" lang="en-US" altLang="ja-JP"/>
+              <a:rPr lang="ja-JP" altLang="en-US"/>
+              <a:t>レベル
+第 </a:t>
+            </a:r>
+            <a:r>
+              <a:rPr lang="en-US" altLang="ja-JP"/>
               <a:t>5 </a:t>
             </a:r>
             <a:r>
-              <a:rPr kumimoji="1" lang="ja-JP" altLang="en-US"/>
+              <a:rPr lang="ja-JP" altLang="en-US"/>
               <a:t>レベル</a:t>
             </a:r>
-          </a:p>
-        </p:txBody>
-      </p:sp>
-      <p:sp>
-        <p:nvSpPr>
-          <p:cNvPr id="5" name="日付プレースホルダー 4">
-            <a:extLst>
-              <a:ext uri="{FF2B5EF4-FFF2-40B4-BE49-F238E27FC236}">
-                <a16:creationId xmlns:a16="http://schemas.microsoft.com/office/drawing/2014/main" id="{FBDA6BE0-E7FA-0040-BA49-BC868325904D}"/>
-              </a:ext>
-            </a:extLst>
-          </p:cNvPr>
+            <a:endParaRPr lang="en-US" dirty="0"/>
+          </a:p>
+        </p:txBody>
+      </p:sp>
+      <p:sp>
+        <p:nvSpPr>
+          <p:cNvPr id="5" name="Date Placeholder 4"/>
           <p:cNvSpPr>
             <a:spLocks noGrp="1"/>
           </p:cNvSpPr>
@@ -2894,7 +2602,7 @@
           <a:p>
             <a:fld id="{4181B4E1-E239-CB4B-9B56-04666A137A9E}" type="datetimeFigureOut">
               <a:rPr kumimoji="1" lang="ja-JP" altLang="en-US" smtClean="0"/>
-              <a:t>2019/9/12</a:t>
+              <a:t>2019/10/1</a:t>
             </a:fld>
             <a:endParaRPr kumimoji="1" lang="ja-JP" altLang="en-US"/>
           </a:p>
@@ -2902,13 +2610,7 @@
       </p:sp>
       <p:sp>
         <p:nvSpPr>
-          <p:cNvPr id="6" name="フッター プレースホルダー 5">
-            <a:extLst>
-              <a:ext uri="{FF2B5EF4-FFF2-40B4-BE49-F238E27FC236}">
-                <a16:creationId xmlns:a16="http://schemas.microsoft.com/office/drawing/2014/main" id="{AF205A5B-DF01-844A-A1A7-5EA26699188E}"/>
-              </a:ext>
-            </a:extLst>
-          </p:cNvPr>
+          <p:cNvPr id="6" name="Footer Placeholder 5"/>
           <p:cNvSpPr>
             <a:spLocks noGrp="1"/>
           </p:cNvSpPr>
@@ -2927,13 +2629,7 @@
       </p:sp>
       <p:sp>
         <p:nvSpPr>
-          <p:cNvPr id="7" name="スライド番号プレースホルダー 6">
-            <a:extLst>
-              <a:ext uri="{FF2B5EF4-FFF2-40B4-BE49-F238E27FC236}">
-                <a16:creationId xmlns:a16="http://schemas.microsoft.com/office/drawing/2014/main" id="{9DB2D6CE-332D-DE47-B787-47F467A2DFEF}"/>
-              </a:ext>
-            </a:extLst>
-          </p:cNvPr>
+          <p:cNvPr id="7" name="Slide Number Placeholder 6"/>
           <p:cNvSpPr>
             <a:spLocks noGrp="1"/>
           </p:cNvSpPr>
@@ -2957,7 +2653,7 @@
     </p:spTree>
     <p:extLst>
       <p:ext uri="{BB962C8B-B14F-4D97-AF65-F5344CB8AC3E}">
-        <p14:creationId xmlns:p14="http://schemas.microsoft.com/office/powerpoint/2010/main" val="362577322"/>
+        <p14:creationId xmlns:p14="http://schemas.microsoft.com/office/powerpoint/2010/main" val="3921515463"/>
       </p:ext>
     </p:extLst>
   </p:cSld>
@@ -2991,13 +2687,7 @@
       </p:grpSpPr>
       <p:sp>
         <p:nvSpPr>
-          <p:cNvPr id="2" name="タイトル プレースホルダー 1">
-            <a:extLst>
-              <a:ext uri="{FF2B5EF4-FFF2-40B4-BE49-F238E27FC236}">
-                <a16:creationId xmlns:a16="http://schemas.microsoft.com/office/drawing/2014/main" id="{E0372B07-536A-0749-B1D1-15DDA1465ECA}"/>
-              </a:ext>
-            </a:extLst>
-          </p:cNvPr>
+          <p:cNvPr id="2" name="Title Placeholder 1"/>
           <p:cNvSpPr>
             <a:spLocks noGrp="1"/>
           </p:cNvSpPr>
@@ -3007,8 +2697,8 @@
         </p:nvSpPr>
         <p:spPr>
           <a:xfrm>
-            <a:off x="838200" y="365125"/>
-            <a:ext cx="10515600" cy="1325563"/>
+            <a:off x="683657" y="1146176"/>
+            <a:ext cx="8576786" cy="4161102"/>
           </a:xfrm>
           <a:prstGeom prst="rect">
             <a:avLst/>
@@ -3021,21 +2711,16 @@
           <a:lstStyle/>
           <a:p>
             <a:r>
-              <a:rPr kumimoji="1" lang="ja-JP" altLang="en-US"/>
+              <a:rPr lang="ja-JP" altLang="en-US"/>
               <a:t>マスター タイトルの書式設定</a:t>
             </a:r>
-          </a:p>
-        </p:txBody>
-      </p:sp>
-      <p:sp>
-        <p:nvSpPr>
-          <p:cNvPr id="3" name="テキスト プレースホルダー 2">
-            <a:extLst>
-              <a:ext uri="{FF2B5EF4-FFF2-40B4-BE49-F238E27FC236}">
-                <a16:creationId xmlns:a16="http://schemas.microsoft.com/office/drawing/2014/main" id="{BC297464-3273-BB4C-97E6-0D8D8E40D62C}"/>
-              </a:ext>
-            </a:extLst>
-          </p:cNvPr>
+            <a:endParaRPr lang="en-US" dirty="0"/>
+          </a:p>
+        </p:txBody>
+      </p:sp>
+      <p:sp>
+        <p:nvSpPr>
+          <p:cNvPr id="3" name="Text Placeholder 2"/>
           <p:cNvSpPr>
             <a:spLocks noGrp="1"/>
           </p:cNvSpPr>
@@ -3045,8 +2730,8 @@
         </p:nvSpPr>
         <p:spPr>
           <a:xfrm>
-            <a:off x="838200" y="1825625"/>
-            <a:ext cx="10515600" cy="4351338"/>
+            <a:off x="683657" y="5730857"/>
+            <a:ext cx="8576786" cy="13659374"/>
           </a:xfrm>
           <a:prstGeom prst="rect">
             <a:avLst/>
@@ -3058,58 +2743,54 @@
           </a:bodyPr>
           <a:lstStyle/>
           <a:p>
-            <a:r>
-              <a:rPr kumimoji="1" lang="ja-JP" altLang="en-US"/>
+            <a:pPr lvl="0"/>
+            <a:r>
+              <a:rPr lang="ja-JP" altLang="en-US"/>
               <a:t>マスター テキストの書式設定
 第 </a:t>
             </a:r>
             <a:r>
-              <a:rPr kumimoji="1" lang="en-US" altLang="ja-JP"/>
+              <a:rPr lang="en-US" altLang="ja-JP"/>
               <a:t>2 </a:t>
             </a:r>
             <a:r>
-              <a:rPr kumimoji="1" lang="ja-JP" altLang="en-US"/>
-              <a:t>レベル
-第 </a:t>
-            </a:r>
-            <a:r>
-              <a:rPr kumimoji="1" lang="en-US" altLang="ja-JP"/>
+              <a:rPr lang="ja-JP" altLang="en-US"/>
+              <a:t>レベル
+第 </a:t>
+            </a:r>
+            <a:r>
+              <a:rPr lang="en-US" altLang="ja-JP"/>
               <a:t>3 </a:t>
             </a:r>
             <a:r>
-              <a:rPr kumimoji="1" lang="ja-JP" altLang="en-US"/>
-              <a:t>レベル
-第 </a:t>
-            </a:r>
-            <a:r>
-              <a:rPr kumimoji="1" lang="en-US" altLang="ja-JP"/>
+              <a:rPr lang="ja-JP" altLang="en-US"/>
+              <a:t>レベル
+第 </a:t>
+            </a:r>
+            <a:r>
+              <a:rPr lang="en-US" altLang="ja-JP"/>
               <a:t>4 </a:t>
             </a:r>
             <a:r>
-              <a:rPr kumimoji="1" lang="ja-JP" altLang="en-US"/>
-              <a:t>レベル
-第 </a:t>
-            </a:r>
-            <a:r>
-              <a:rPr kumimoji="1" lang="en-US" altLang="ja-JP"/>
+              <a:rPr lang="ja-JP" altLang="en-US"/>
+              <a:t>レベル
+第 </a:t>
+            </a:r>
+            <a:r>
+              <a:rPr lang="en-US" altLang="ja-JP"/>
               <a:t>5 </a:t>
             </a:r>
             <a:r>
-              <a:rPr kumimoji="1" lang="ja-JP" altLang="en-US"/>
+              <a:rPr lang="ja-JP" altLang="en-US"/>
               <a:t>レベル</a:t>
             </a:r>
-          </a:p>
-        </p:txBody>
-      </p:sp>
-      <p:sp>
-        <p:nvSpPr>
-          <p:cNvPr id="4" name="日付プレースホルダー 3">
-            <a:extLst>
-              <a:ext uri="{FF2B5EF4-FFF2-40B4-BE49-F238E27FC236}">
-                <a16:creationId xmlns:a16="http://schemas.microsoft.com/office/drawing/2014/main" id="{6EC0B2E8-C6F9-6849-9EE6-B84884302F10}"/>
-              </a:ext>
-            </a:extLst>
-          </p:cNvPr>
+            <a:endParaRPr lang="en-US" dirty="0"/>
+          </a:p>
+        </p:txBody>
+      </p:sp>
+      <p:sp>
+        <p:nvSpPr>
+          <p:cNvPr id="4" name="Date Placeholder 3"/>
           <p:cNvSpPr>
             <a:spLocks noGrp="1"/>
           </p:cNvSpPr>
@@ -3119,8 +2800,8 @@
         </p:nvSpPr>
         <p:spPr>
           <a:xfrm>
-            <a:off x="838200" y="6356350"/>
-            <a:ext cx="2743200" cy="365125"/>
+            <a:off x="683657" y="19953353"/>
+            <a:ext cx="2237423" cy="1146171"/>
           </a:xfrm>
           <a:prstGeom prst="rect">
             <a:avLst/>
@@ -3130,7 +2811,7 @@
           <a:bodyPr vert="horz" lIns="91440" tIns="45720" rIns="91440" bIns="45720" rtlCol="0" anchor="ctr"/>
           <a:lstStyle>
             <a:lvl1pPr algn="l">
-              <a:defRPr sz="1200">
+              <a:defRPr sz="1305">
                 <a:solidFill>
                   <a:schemeClr val="tx1">
                     <a:tint val="75000"/>
@@ -3142,7 +2823,7 @@
           <a:p>
             <a:fld id="{4181B4E1-E239-CB4B-9B56-04666A137A9E}" type="datetimeFigureOut">
               <a:rPr kumimoji="1" lang="ja-JP" altLang="en-US" smtClean="0"/>
-              <a:t>2019/9/12</a:t>
+              <a:t>2019/10/1</a:t>
             </a:fld>
             <a:endParaRPr kumimoji="1" lang="ja-JP" altLang="en-US"/>
           </a:p>
@@ -3150,13 +2831,7 @@
       </p:sp>
       <p:sp>
         <p:nvSpPr>
-          <p:cNvPr id="5" name="フッター プレースホルダー 4">
-            <a:extLst>
-              <a:ext uri="{FF2B5EF4-FFF2-40B4-BE49-F238E27FC236}">
-                <a16:creationId xmlns:a16="http://schemas.microsoft.com/office/drawing/2014/main" id="{2EC7C9CC-0D6C-5047-93A2-1ECA158E7299}"/>
-              </a:ext>
-            </a:extLst>
-          </p:cNvPr>
+          <p:cNvPr id="5" name="Footer Placeholder 4"/>
           <p:cNvSpPr>
             <a:spLocks noGrp="1"/>
           </p:cNvSpPr>
@@ -3166,8 +2841,8 @@
         </p:nvSpPr>
         <p:spPr>
           <a:xfrm>
-            <a:off x="4038600" y="6356350"/>
-            <a:ext cx="4114800" cy="365125"/>
+            <a:off x="3293983" y="19953353"/>
+            <a:ext cx="3356134" cy="1146171"/>
           </a:xfrm>
           <a:prstGeom prst="rect">
             <a:avLst/>
@@ -3177,7 +2852,7 @@
           <a:bodyPr vert="horz" lIns="91440" tIns="45720" rIns="91440" bIns="45720" rtlCol="0" anchor="ctr"/>
           <a:lstStyle>
             <a:lvl1pPr algn="ctr">
-              <a:defRPr sz="1200">
+              <a:defRPr sz="1305">
                 <a:solidFill>
                   <a:schemeClr val="tx1">
                     <a:tint val="75000"/>
@@ -3193,13 +2868,7 @@
       </p:sp>
       <p:sp>
         <p:nvSpPr>
-          <p:cNvPr id="6" name="スライド番号プレースホルダー 5">
-            <a:extLst>
-              <a:ext uri="{FF2B5EF4-FFF2-40B4-BE49-F238E27FC236}">
-                <a16:creationId xmlns:a16="http://schemas.microsoft.com/office/drawing/2014/main" id="{1A87F328-710C-7D4E-8CE1-5FA97B4576DF}"/>
-              </a:ext>
-            </a:extLst>
-          </p:cNvPr>
+          <p:cNvPr id="6" name="Slide Number Placeholder 5"/>
           <p:cNvSpPr>
             <a:spLocks noGrp="1"/>
           </p:cNvSpPr>
@@ -3209,8 +2878,8 @@
         </p:nvSpPr>
         <p:spPr>
           <a:xfrm>
-            <a:off x="8610600" y="6356350"/>
-            <a:ext cx="2743200" cy="365125"/>
+            <a:off x="7023020" y="19953353"/>
+            <a:ext cx="2237423" cy="1146171"/>
           </a:xfrm>
           <a:prstGeom prst="rect">
             <a:avLst/>
@@ -3220,7 +2889,7 @@
           <a:bodyPr vert="horz" lIns="91440" tIns="45720" rIns="91440" bIns="45720" rtlCol="0" anchor="ctr"/>
           <a:lstStyle>
             <a:lvl1pPr algn="r">
-              <a:defRPr sz="1200">
+              <a:defRPr sz="1305">
                 <a:solidFill>
                   <a:schemeClr val="tx1">
                     <a:tint val="75000"/>
@@ -3241,27 +2910,27 @@
     </p:spTree>
     <p:extLst>
       <p:ext uri="{BB962C8B-B14F-4D97-AF65-F5344CB8AC3E}">
-        <p14:creationId xmlns:p14="http://schemas.microsoft.com/office/powerpoint/2010/main" val="1856391986"/>
+        <p14:creationId xmlns:p14="http://schemas.microsoft.com/office/powerpoint/2010/main" val="2918941506"/>
       </p:ext>
     </p:extLst>
   </p:cSld>
   <p:clrMap bg1="lt1" tx1="dk1" bg2="lt2" tx2="dk2" accent1="accent1" accent2="accent2" accent3="accent3" accent4="accent4" accent5="accent5" accent6="accent6" hlink="hlink" folHlink="folHlink"/>
   <p:sldLayoutIdLst>
-    <p:sldLayoutId id="2147483649" r:id="rId1"/>
-    <p:sldLayoutId id="2147483650" r:id="rId2"/>
-    <p:sldLayoutId id="2147483651" r:id="rId3"/>
-    <p:sldLayoutId id="2147483652" r:id="rId4"/>
-    <p:sldLayoutId id="2147483653" r:id="rId5"/>
-    <p:sldLayoutId id="2147483654" r:id="rId6"/>
-    <p:sldLayoutId id="2147483655" r:id="rId7"/>
-    <p:sldLayoutId id="2147483656" r:id="rId8"/>
-    <p:sldLayoutId id="2147483657" r:id="rId9"/>
-    <p:sldLayoutId id="2147483658" r:id="rId10"/>
-    <p:sldLayoutId id="2147483659" r:id="rId11"/>
+    <p:sldLayoutId id="2147483661" r:id="rId1"/>
+    <p:sldLayoutId id="2147483662" r:id="rId2"/>
+    <p:sldLayoutId id="2147483663" r:id="rId3"/>
+    <p:sldLayoutId id="2147483664" r:id="rId4"/>
+    <p:sldLayoutId id="2147483665" r:id="rId5"/>
+    <p:sldLayoutId id="2147483666" r:id="rId6"/>
+    <p:sldLayoutId id="2147483667" r:id="rId7"/>
+    <p:sldLayoutId id="2147483668" r:id="rId8"/>
+    <p:sldLayoutId id="2147483669" r:id="rId9"/>
+    <p:sldLayoutId id="2147483670" r:id="rId10"/>
+    <p:sldLayoutId id="2147483671" r:id="rId11"/>
   </p:sldLayoutIdLst>
   <p:txStyles>
     <p:titleStyle>
-      <a:lvl1pPr algn="l" defTabSz="914400" rtl="0" eaLnBrk="1" latinLnBrk="0" hangingPunct="1">
+      <a:lvl1pPr algn="l" defTabSz="994410" rtl="0" eaLnBrk="1" latinLnBrk="0" hangingPunct="1">
         <a:lnSpc>
           <a:spcPct val="90000"/>
         </a:lnSpc>
@@ -3269,7 +2938,7 @@
           <a:spcPct val="0"/>
         </a:spcBef>
         <a:buNone/>
-        <a:defRPr kumimoji="1" sz="4400" kern="1200">
+        <a:defRPr kumimoji="1" sz="4785" kern="1200">
           <a:solidFill>
             <a:schemeClr val="tx1"/>
           </a:solidFill>
@@ -3280,16 +2949,16 @@
       </a:lvl1pPr>
     </p:titleStyle>
     <p:bodyStyle>
-      <a:lvl1pPr marL="228600" indent="-228600" algn="l" defTabSz="914400" rtl="0" eaLnBrk="1" latinLnBrk="0" hangingPunct="1">
+      <a:lvl1pPr marL="248603" indent="-248603" algn="l" defTabSz="994410" rtl="0" eaLnBrk="1" latinLnBrk="0" hangingPunct="1">
         <a:lnSpc>
           <a:spcPct val="90000"/>
         </a:lnSpc>
         <a:spcBef>
-          <a:spcPts val="1000"/>
+          <a:spcPts val="1088"/>
         </a:spcBef>
         <a:buFont typeface="Arial" panose="020B0604020202020204" pitchFamily="34" charset="0"/>
         <a:buChar char="•"/>
-        <a:defRPr kumimoji="1" sz="2800" kern="1200">
+        <a:defRPr kumimoji="1" sz="3045" kern="1200">
           <a:solidFill>
             <a:schemeClr val="tx1"/>
           </a:solidFill>
@@ -3298,16 +2967,16 @@
           <a:cs typeface="+mn-cs"/>
         </a:defRPr>
       </a:lvl1pPr>
-      <a:lvl2pPr marL="685800" indent="-228600" algn="l" defTabSz="914400" rtl="0" eaLnBrk="1" latinLnBrk="0" hangingPunct="1">
+      <a:lvl2pPr marL="745808" indent="-248603" algn="l" defTabSz="994410" rtl="0" eaLnBrk="1" latinLnBrk="0" hangingPunct="1">
         <a:lnSpc>
           <a:spcPct val="90000"/>
         </a:lnSpc>
         <a:spcBef>
-          <a:spcPts val="500"/>
+          <a:spcPts val="544"/>
         </a:spcBef>
         <a:buFont typeface="Arial" panose="020B0604020202020204" pitchFamily="34" charset="0"/>
         <a:buChar char="•"/>
-        <a:defRPr kumimoji="1" sz="2400" kern="1200">
+        <a:defRPr kumimoji="1" sz="2610" kern="1200">
           <a:solidFill>
             <a:schemeClr val="tx1"/>
           </a:solidFill>
@@ -3316,16 +2985,16 @@
           <a:cs typeface="+mn-cs"/>
         </a:defRPr>
       </a:lvl2pPr>
-      <a:lvl3pPr marL="1143000" indent="-228600" algn="l" defTabSz="914400" rtl="0" eaLnBrk="1" latinLnBrk="0" hangingPunct="1">
+      <a:lvl3pPr marL="1243013" indent="-248603" algn="l" defTabSz="994410" rtl="0" eaLnBrk="1" latinLnBrk="0" hangingPunct="1">
         <a:lnSpc>
           <a:spcPct val="90000"/>
         </a:lnSpc>
         <a:spcBef>
-          <a:spcPts val="500"/>
+          <a:spcPts val="544"/>
         </a:spcBef>
         <a:buFont typeface="Arial" panose="020B0604020202020204" pitchFamily="34" charset="0"/>
         <a:buChar char="•"/>
-        <a:defRPr kumimoji="1" sz="2000" kern="1200">
+        <a:defRPr kumimoji="1" sz="2175" kern="1200">
           <a:solidFill>
             <a:schemeClr val="tx1"/>
           </a:solidFill>
@@ -3334,16 +3003,16 @@
           <a:cs typeface="+mn-cs"/>
         </a:defRPr>
       </a:lvl3pPr>
-      <a:lvl4pPr marL="1600200" indent="-228600" algn="l" defTabSz="914400" rtl="0" eaLnBrk="1" latinLnBrk="0" hangingPunct="1">
+      <a:lvl4pPr marL="1740218" indent="-248603" algn="l" defTabSz="994410" rtl="0" eaLnBrk="1" latinLnBrk="0" hangingPunct="1">
         <a:lnSpc>
           <a:spcPct val="90000"/>
         </a:lnSpc>
         <a:spcBef>
-          <a:spcPts val="500"/>
+          <a:spcPts val="544"/>
         </a:spcBef>
         <a:buFont typeface="Arial" panose="020B0604020202020204" pitchFamily="34" charset="0"/>
         <a:buChar char="•"/>
-        <a:defRPr kumimoji="1" sz="1800" kern="1200">
+        <a:defRPr kumimoji="1" sz="1958" kern="1200">
           <a:solidFill>
             <a:schemeClr val="tx1"/>
           </a:solidFill>
@@ -3352,16 +3021,16 @@
           <a:cs typeface="+mn-cs"/>
         </a:defRPr>
       </a:lvl4pPr>
-      <a:lvl5pPr marL="2057400" indent="-228600" algn="l" defTabSz="914400" rtl="0" eaLnBrk="1" latinLnBrk="0" hangingPunct="1">
+      <a:lvl5pPr marL="2237423" indent="-248603" algn="l" defTabSz="994410" rtl="0" eaLnBrk="1" latinLnBrk="0" hangingPunct="1">
         <a:lnSpc>
           <a:spcPct val="90000"/>
         </a:lnSpc>
         <a:spcBef>
-          <a:spcPts val="500"/>
+          <a:spcPts val="544"/>
         </a:spcBef>
         <a:buFont typeface="Arial" panose="020B0604020202020204" pitchFamily="34" charset="0"/>
         <a:buChar char="•"/>
-        <a:defRPr kumimoji="1" sz="1800" kern="1200">
+        <a:defRPr kumimoji="1" sz="1958" kern="1200">
           <a:solidFill>
             <a:schemeClr val="tx1"/>
           </a:solidFill>
@@ -3370,16 +3039,16 @@
           <a:cs typeface="+mn-cs"/>
         </a:defRPr>
       </a:lvl5pPr>
-      <a:lvl6pPr marL="2514600" indent="-228600" algn="l" defTabSz="914400" rtl="0" eaLnBrk="1" latinLnBrk="0" hangingPunct="1">
+      <a:lvl6pPr marL="2734628" indent="-248603" algn="l" defTabSz="994410" rtl="0" eaLnBrk="1" latinLnBrk="0" hangingPunct="1">
         <a:lnSpc>
           <a:spcPct val="90000"/>
         </a:lnSpc>
         <a:spcBef>
-          <a:spcPts val="500"/>
+          <a:spcPts val="544"/>
         </a:spcBef>
         <a:buFont typeface="Arial" panose="020B0604020202020204" pitchFamily="34" charset="0"/>
         <a:buChar char="•"/>
-        <a:defRPr kumimoji="1" sz="1800" kern="1200">
+        <a:defRPr kumimoji="1" sz="1958" kern="1200">
           <a:solidFill>
             <a:schemeClr val="tx1"/>
           </a:solidFill>
@@ -3388,16 +3057,16 @@
           <a:cs typeface="+mn-cs"/>
         </a:defRPr>
       </a:lvl6pPr>
-      <a:lvl7pPr marL="2971800" indent="-228600" algn="l" defTabSz="914400" rtl="0" eaLnBrk="1" latinLnBrk="0" hangingPunct="1">
+      <a:lvl7pPr marL="3231833" indent="-248603" algn="l" defTabSz="994410" rtl="0" eaLnBrk="1" latinLnBrk="0" hangingPunct="1">
         <a:lnSpc>
           <a:spcPct val="90000"/>
         </a:lnSpc>
         <a:spcBef>
-          <a:spcPts val="500"/>
+          <a:spcPts val="544"/>
         </a:spcBef>
         <a:buFont typeface="Arial" panose="020B0604020202020204" pitchFamily="34" charset="0"/>
         <a:buChar char="•"/>
-        <a:defRPr kumimoji="1" sz="1800" kern="1200">
+        <a:defRPr kumimoji="1" sz="1958" kern="1200">
           <a:solidFill>
             <a:schemeClr val="tx1"/>
           </a:solidFill>
@@ -3406,16 +3075,16 @@
           <a:cs typeface="+mn-cs"/>
         </a:defRPr>
       </a:lvl7pPr>
-      <a:lvl8pPr marL="3429000" indent="-228600" algn="l" defTabSz="914400" rtl="0" eaLnBrk="1" latinLnBrk="0" hangingPunct="1">
+      <a:lvl8pPr marL="3729038" indent="-248603" algn="l" defTabSz="994410" rtl="0" eaLnBrk="1" latinLnBrk="0" hangingPunct="1">
         <a:lnSpc>
           <a:spcPct val="90000"/>
         </a:lnSpc>
         <a:spcBef>
-          <a:spcPts val="500"/>
+          <a:spcPts val="544"/>
         </a:spcBef>
         <a:buFont typeface="Arial" panose="020B0604020202020204" pitchFamily="34" charset="0"/>
         <a:buChar char="•"/>
-        <a:defRPr kumimoji="1" sz="1800" kern="1200">
+        <a:defRPr kumimoji="1" sz="1958" kern="1200">
           <a:solidFill>
             <a:schemeClr val="tx1"/>
           </a:solidFill>
@@ -3424,16 +3093,16 @@
           <a:cs typeface="+mn-cs"/>
         </a:defRPr>
       </a:lvl8pPr>
-      <a:lvl9pPr marL="3886200" indent="-228600" algn="l" defTabSz="914400" rtl="0" eaLnBrk="1" latinLnBrk="0" hangingPunct="1">
+      <a:lvl9pPr marL="4226243" indent="-248603" algn="l" defTabSz="994410" rtl="0" eaLnBrk="1" latinLnBrk="0" hangingPunct="1">
         <a:lnSpc>
           <a:spcPct val="90000"/>
         </a:lnSpc>
         <a:spcBef>
-          <a:spcPts val="500"/>
+          <a:spcPts val="544"/>
         </a:spcBef>
         <a:buFont typeface="Arial" panose="020B0604020202020204" pitchFamily="34" charset="0"/>
         <a:buChar char="•"/>
-        <a:defRPr kumimoji="1" sz="1800" kern="1200">
+        <a:defRPr kumimoji="1" sz="1958" kern="1200">
           <a:solidFill>
             <a:schemeClr val="tx1"/>
           </a:solidFill>
@@ -3445,10 +3114,10 @@
     </p:bodyStyle>
     <p:otherStyle>
       <a:defPPr>
-        <a:defRPr lang="ja-JP"/>
+        <a:defRPr lang="en-US"/>
       </a:defPPr>
-      <a:lvl1pPr marL="0" algn="l" defTabSz="914400" rtl="0" eaLnBrk="1" latinLnBrk="0" hangingPunct="1">
-        <a:defRPr kumimoji="1" sz="1800" kern="1200">
+      <a:lvl1pPr marL="0" algn="l" defTabSz="994410" rtl="0" eaLnBrk="1" latinLnBrk="0" hangingPunct="1">
+        <a:defRPr kumimoji="1" sz="1958" kern="1200">
           <a:solidFill>
             <a:schemeClr val="tx1"/>
           </a:solidFill>
@@ -3457,8 +3126,8 @@
           <a:cs typeface="+mn-cs"/>
         </a:defRPr>
       </a:lvl1pPr>
-      <a:lvl2pPr marL="457200" algn="l" defTabSz="914400" rtl="0" eaLnBrk="1" latinLnBrk="0" hangingPunct="1">
-        <a:defRPr kumimoji="1" sz="1800" kern="1200">
+      <a:lvl2pPr marL="497205" algn="l" defTabSz="994410" rtl="0" eaLnBrk="1" latinLnBrk="0" hangingPunct="1">
+        <a:defRPr kumimoji="1" sz="1958" kern="1200">
           <a:solidFill>
             <a:schemeClr val="tx1"/>
           </a:solidFill>
@@ -3467,8 +3136,8 @@
           <a:cs typeface="+mn-cs"/>
         </a:defRPr>
       </a:lvl2pPr>
-      <a:lvl3pPr marL="914400" algn="l" defTabSz="914400" rtl="0" eaLnBrk="1" latinLnBrk="0" hangingPunct="1">
-        <a:defRPr kumimoji="1" sz="1800" kern="1200">
+      <a:lvl3pPr marL="994410" algn="l" defTabSz="994410" rtl="0" eaLnBrk="1" latinLnBrk="0" hangingPunct="1">
+        <a:defRPr kumimoji="1" sz="1958" kern="1200">
           <a:solidFill>
             <a:schemeClr val="tx1"/>
           </a:solidFill>
@@ -3477,8 +3146,8 @@
           <a:cs typeface="+mn-cs"/>
         </a:defRPr>
       </a:lvl3pPr>
-      <a:lvl4pPr marL="1371600" algn="l" defTabSz="914400" rtl="0" eaLnBrk="1" latinLnBrk="0" hangingPunct="1">
-        <a:defRPr kumimoji="1" sz="1800" kern="1200">
+      <a:lvl4pPr marL="1491615" algn="l" defTabSz="994410" rtl="0" eaLnBrk="1" latinLnBrk="0" hangingPunct="1">
+        <a:defRPr kumimoji="1" sz="1958" kern="1200">
           <a:solidFill>
             <a:schemeClr val="tx1"/>
           </a:solidFill>
@@ -3487,8 +3156,8 @@
           <a:cs typeface="+mn-cs"/>
         </a:defRPr>
       </a:lvl4pPr>
-      <a:lvl5pPr marL="1828800" algn="l" defTabSz="914400" rtl="0" eaLnBrk="1" latinLnBrk="0" hangingPunct="1">
-        <a:defRPr kumimoji="1" sz="1800" kern="1200">
+      <a:lvl5pPr marL="1988820" algn="l" defTabSz="994410" rtl="0" eaLnBrk="1" latinLnBrk="0" hangingPunct="1">
+        <a:defRPr kumimoji="1" sz="1958" kern="1200">
           <a:solidFill>
             <a:schemeClr val="tx1"/>
           </a:solidFill>
@@ -3497,8 +3166,8 @@
           <a:cs typeface="+mn-cs"/>
         </a:defRPr>
       </a:lvl5pPr>
-      <a:lvl6pPr marL="2286000" algn="l" defTabSz="914400" rtl="0" eaLnBrk="1" latinLnBrk="0" hangingPunct="1">
-        <a:defRPr kumimoji="1" sz="1800" kern="1200">
+      <a:lvl6pPr marL="2486025" algn="l" defTabSz="994410" rtl="0" eaLnBrk="1" latinLnBrk="0" hangingPunct="1">
+        <a:defRPr kumimoji="1" sz="1958" kern="1200">
           <a:solidFill>
             <a:schemeClr val="tx1"/>
           </a:solidFill>
@@ -3507,8 +3176,8 @@
           <a:cs typeface="+mn-cs"/>
         </a:defRPr>
       </a:lvl6pPr>
-      <a:lvl7pPr marL="2743200" algn="l" defTabSz="914400" rtl="0" eaLnBrk="1" latinLnBrk="0" hangingPunct="1">
-        <a:defRPr kumimoji="1" sz="1800" kern="1200">
+      <a:lvl7pPr marL="2983230" algn="l" defTabSz="994410" rtl="0" eaLnBrk="1" latinLnBrk="0" hangingPunct="1">
+        <a:defRPr kumimoji="1" sz="1958" kern="1200">
           <a:solidFill>
             <a:schemeClr val="tx1"/>
           </a:solidFill>
@@ -3517,8 +3186,8 @@
           <a:cs typeface="+mn-cs"/>
         </a:defRPr>
       </a:lvl7pPr>
-      <a:lvl8pPr marL="3200400" algn="l" defTabSz="914400" rtl="0" eaLnBrk="1" latinLnBrk="0" hangingPunct="1">
-        <a:defRPr kumimoji="1" sz="1800" kern="1200">
+      <a:lvl8pPr marL="3480435" algn="l" defTabSz="994410" rtl="0" eaLnBrk="1" latinLnBrk="0" hangingPunct="1">
+        <a:defRPr kumimoji="1" sz="1958" kern="1200">
           <a:solidFill>
             <a:schemeClr val="tx1"/>
           </a:solidFill>
@@ -3527,8 +3196,8 @@
           <a:cs typeface="+mn-cs"/>
         </a:defRPr>
       </a:lvl8pPr>
-      <a:lvl9pPr marL="3657600" algn="l" defTabSz="914400" rtl="0" eaLnBrk="1" latinLnBrk="0" hangingPunct="1">
-        <a:defRPr kumimoji="1" sz="1800" kern="1200">
+      <a:lvl9pPr marL="3977640" algn="l" defTabSz="994410" rtl="0" eaLnBrk="1" latinLnBrk="0" hangingPunct="1">
+        <a:defRPr kumimoji="1" sz="1958" kern="1200">
           <a:solidFill>
             <a:schemeClr val="tx1"/>
           </a:solidFill>
@@ -3561,10 +3230,10 @@
       </p:grpSpPr>
       <p:sp>
         <p:nvSpPr>
-          <p:cNvPr id="4" name="円/楕円 3">
+          <p:cNvPr id="11" name="正方形/長方形 10">
             <a:extLst>
               <a:ext uri="{FF2B5EF4-FFF2-40B4-BE49-F238E27FC236}">
-                <a16:creationId xmlns:a16="http://schemas.microsoft.com/office/drawing/2014/main" id="{BF89D4FD-28B8-B54F-A2E6-8FCA8E4486BB}"/>
+                <a16:creationId xmlns:a16="http://schemas.microsoft.com/office/drawing/2014/main" id="{787010CE-38FC-C44C-827F-D4E618E30C35}"/>
               </a:ext>
             </a:extLst>
           </p:cNvPr>
@@ -3573,10 +3242,10 @@
         </p:nvSpPr>
         <p:spPr>
           <a:xfrm>
-            <a:off x="2893513" y="175364"/>
-            <a:ext cx="6526060" cy="6526060"/>
+            <a:off x="-3715219" y="-130629"/>
+            <a:ext cx="16794404" cy="21658717"/>
           </a:xfrm>
-          <a:prstGeom prst="ellipse">
+          <a:prstGeom prst="rect">
             <a:avLst/>
           </a:prstGeom>
           <a:solidFill>
@@ -3611,6 +3280,140 @@
           </a:p>
         </p:txBody>
       </p:sp>
+      <p:pic>
+        <p:nvPicPr>
+          <p:cNvPr id="10" name="図 9">
+            <a:extLst>
+              <a:ext uri="{FF2B5EF4-FFF2-40B4-BE49-F238E27FC236}">
+                <a16:creationId xmlns:a16="http://schemas.microsoft.com/office/drawing/2014/main" id="{1EF7023C-F344-4A48-A55A-11DA41971469}"/>
+              </a:ext>
+            </a:extLst>
+          </p:cNvPr>
+          <p:cNvPicPr>
+            <a:picLocks noChangeAspect="1"/>
+          </p:cNvPicPr>
+          <p:nvPr/>
+        </p:nvPicPr>
+        <p:blipFill>
+          <a:blip r:embed="rId2"/>
+          <a:stretch>
+            <a:fillRect/>
+          </a:stretch>
+        </p:blipFill>
+        <p:spPr>
+          <a:xfrm>
+            <a:off x="-3715219" y="-130629"/>
+            <a:ext cx="16794404" cy="8957015"/>
+          </a:xfrm>
+          <a:prstGeom prst="rect">
+            <a:avLst/>
+          </a:prstGeom>
+        </p:spPr>
+      </p:pic>
+      <p:sp>
+        <p:nvSpPr>
+          <p:cNvPr id="12" name="正方形/長方形 11">
+            <a:extLst>
+              <a:ext uri="{FF2B5EF4-FFF2-40B4-BE49-F238E27FC236}">
+                <a16:creationId xmlns:a16="http://schemas.microsoft.com/office/drawing/2014/main" id="{35F8A2E0-2E72-524A-9397-3C7F2F696C27}"/>
+              </a:ext>
+            </a:extLst>
+          </p:cNvPr>
+          <p:cNvSpPr/>
+          <p:nvPr/>
+        </p:nvSpPr>
+        <p:spPr>
+          <a:xfrm>
+            <a:off x="-3715219" y="10058400"/>
+            <a:ext cx="16794404" cy="11469687"/>
+          </a:xfrm>
+          <a:prstGeom prst="rect">
+            <a:avLst/>
+          </a:prstGeom>
+          <a:solidFill>
+            <a:srgbClr val="949494"/>
+          </a:solidFill>
+          <a:ln>
+            <a:noFill/>
+          </a:ln>
+        </p:spPr>
+        <p:style>
+          <a:lnRef idx="2">
+            <a:schemeClr val="accent1">
+              <a:shade val="50000"/>
+            </a:schemeClr>
+          </a:lnRef>
+          <a:fillRef idx="1">
+            <a:schemeClr val="accent1"/>
+          </a:fillRef>
+          <a:effectRef idx="0">
+            <a:schemeClr val="accent1"/>
+          </a:effectRef>
+          <a:fontRef idx="minor">
+            <a:schemeClr val="lt1"/>
+          </a:fontRef>
+        </p:style>
+        <p:txBody>
+          <a:bodyPr rtlCol="0" anchor="ctr"/>
+          <a:lstStyle/>
+          <a:p>
+            <a:pPr algn="ctr"/>
+            <a:endParaRPr kumimoji="1" lang="ja-JP" altLang="en-US"/>
+          </a:p>
+        </p:txBody>
+      </p:sp>
+      <p:sp>
+        <p:nvSpPr>
+          <p:cNvPr id="13" name="円/楕円 12">
+            <a:extLst>
+              <a:ext uri="{FF2B5EF4-FFF2-40B4-BE49-F238E27FC236}">
+                <a16:creationId xmlns:a16="http://schemas.microsoft.com/office/drawing/2014/main" id="{3A972651-964F-E043-8AB2-D986B6BAD8E3}"/>
+              </a:ext>
+            </a:extLst>
+          </p:cNvPr>
+          <p:cNvSpPr/>
+          <p:nvPr/>
+        </p:nvSpPr>
+        <p:spPr>
+          <a:xfrm>
+            <a:off x="-3715219" y="7065818"/>
+            <a:ext cx="16794404" cy="5735782"/>
+          </a:xfrm>
+          <a:prstGeom prst="ellipse">
+            <a:avLst/>
+          </a:prstGeom>
+          <a:solidFill>
+            <a:srgbClr val="949494"/>
+          </a:solidFill>
+          <a:ln>
+            <a:noFill/>
+          </a:ln>
+        </p:spPr>
+        <p:style>
+          <a:lnRef idx="2">
+            <a:schemeClr val="accent1">
+              <a:shade val="50000"/>
+            </a:schemeClr>
+          </a:lnRef>
+          <a:fillRef idx="1">
+            <a:schemeClr val="accent1"/>
+          </a:fillRef>
+          <a:effectRef idx="0">
+            <a:schemeClr val="accent1"/>
+          </a:effectRef>
+          <a:fontRef idx="minor">
+            <a:schemeClr val="lt1"/>
+          </a:fontRef>
+        </p:style>
+        <p:txBody>
+          <a:bodyPr rtlCol="0" anchor="ctr"/>
+          <a:lstStyle/>
+          <a:p>
+            <a:pPr algn="ctr"/>
+            <a:endParaRPr kumimoji="1" lang="ja-JP" altLang="en-US"/>
+          </a:p>
+        </p:txBody>
+      </p:sp>
     </p:spTree>
     <p:extLst>
       <p:ext uri="{BB962C8B-B14F-4D97-AF65-F5344CB8AC3E}">
@@ -3627,7 +3430,7 @@
 <file path=ppt/theme/theme1.xml><?xml version="1.0" encoding="utf-8"?>
 <a:theme xmlns:a="http://schemas.openxmlformats.org/drawingml/2006/main" name="Office テーマ">
   <a:themeElements>
-    <a:clrScheme name="Office">
+    <a:clrScheme name="Office テーマ">
       <a:dk1>
         <a:sysClr val="windowText" lastClr="000000"/>
       </a:dk1>
@@ -3665,9 +3468,9 @@
         <a:srgbClr val="954F72"/>
       </a:folHlink>
     </a:clrScheme>
-    <a:fontScheme name="Office">
+    <a:fontScheme name="Office テーマ">
       <a:majorFont>
-        <a:latin typeface="游ゴシック Light" panose="020F0302020204030204"/>
+        <a:latin typeface="Calibri Light" panose="020F0302020204030204"/>
         <a:ea typeface=""/>
         <a:cs typeface=""/>
         <a:font script="Jpan" typeface="游ゴシック Light"/>
@@ -3700,26 +3503,9 @@
         <a:font script="Viet" typeface="Times New Roman"/>
         <a:font script="Uigh" typeface="Microsoft Uighur"/>
         <a:font script="Geor" typeface="Sylfaen"/>
-        <a:font script="Armn" typeface="Arial"/>
-        <a:font script="Bugi" typeface="Leelawadee UI"/>
-        <a:font script="Bopo" typeface="Microsoft JhengHei"/>
-        <a:font script="Java" typeface="Javanese Text"/>
-        <a:font script="Lisu" typeface="Segoe UI"/>
-        <a:font script="Mymr" typeface="Myanmar Text"/>
-        <a:font script="Nkoo" typeface="Ebrima"/>
-        <a:font script="Olck" typeface="Nirmala UI"/>
-        <a:font script="Osma" typeface="Ebrima"/>
-        <a:font script="Phag" typeface="Phagspa"/>
-        <a:font script="Syrn" typeface="Estrangelo Edessa"/>
-        <a:font script="Syrj" typeface="Estrangelo Edessa"/>
-        <a:font script="Syre" typeface="Estrangelo Edessa"/>
-        <a:font script="Sora" typeface="Nirmala UI"/>
-        <a:font script="Tale" typeface="Microsoft Tai Le"/>
-        <a:font script="Talu" typeface="Microsoft New Tai Lue"/>
-        <a:font script="Tfng" typeface="Ebrima"/>
       </a:majorFont>
       <a:minorFont>
-        <a:latin typeface="游ゴシック" panose="020F0502020204030204"/>
+        <a:latin typeface="Calibri" panose="020F0502020204030204"/>
         <a:ea typeface=""/>
         <a:cs typeface=""/>
         <a:font script="Jpan" typeface="游ゴシック"/>
@@ -3752,26 +3538,9 @@
         <a:font script="Viet" typeface="Arial"/>
         <a:font script="Uigh" typeface="Microsoft Uighur"/>
         <a:font script="Geor" typeface="Sylfaen"/>
-        <a:font script="Armn" typeface="Arial"/>
-        <a:font script="Bugi" typeface="Leelawadee UI"/>
-        <a:font script="Bopo" typeface="Microsoft JhengHei"/>
-        <a:font script="Java" typeface="Javanese Text"/>
-        <a:font script="Lisu" typeface="Segoe UI"/>
-        <a:font script="Mymr" typeface="Myanmar Text"/>
-        <a:font script="Nkoo" typeface="Ebrima"/>
-        <a:font script="Olck" typeface="Nirmala UI"/>
-        <a:font script="Osma" typeface="Ebrima"/>
-        <a:font script="Phag" typeface="Phagspa"/>
-        <a:font script="Syrn" typeface="Estrangelo Edessa"/>
-        <a:font script="Syrj" typeface="Estrangelo Edessa"/>
-        <a:font script="Syre" typeface="Estrangelo Edessa"/>
-        <a:font script="Sora" typeface="Nirmala UI"/>
-        <a:font script="Tale" typeface="Microsoft Tai Le"/>
-        <a:font script="Talu" typeface="Microsoft New Tai Lue"/>
-        <a:font script="Tfng" typeface="Ebrima"/>
       </a:minorFont>
     </a:fontScheme>
-    <a:fmtScheme name="Office">
+    <a:fmtScheme name="Office テーマ">
       <a:fillStyleLst>
         <a:solidFill>
           <a:schemeClr val="phClr"/>

--- a/Images/画像作成用.pptx
+++ b/Images/画像作成用.pptx
@@ -6,6 +6,7 @@
   </p:sldMasterIdLst>
   <p:sldIdLst>
     <p:sldId id="256" r:id="rId2"/>
+    <p:sldId id="257" r:id="rId3"/>
   </p:sldIdLst>
   <p:sldSz cx="9944100" cy="21528088"/>
   <p:notesSz cx="6858000" cy="9144000"/>
@@ -243,7 +244,7 @@
           <a:p>
             <a:fld id="{4181B4E1-E239-CB4B-9B56-04666A137A9E}" type="datetimeFigureOut">
               <a:rPr kumimoji="1" lang="ja-JP" altLang="en-US" smtClean="0"/>
-              <a:t>2019/10/1</a:t>
+              <a:t>2019/10/17</a:t>
             </a:fld>
             <a:endParaRPr kumimoji="1" lang="ja-JP" altLang="en-US"/>
           </a:p>
@@ -421,7 +422,7 @@
           <a:p>
             <a:fld id="{4181B4E1-E239-CB4B-9B56-04666A137A9E}" type="datetimeFigureOut">
               <a:rPr kumimoji="1" lang="ja-JP" altLang="en-US" smtClean="0"/>
-              <a:t>2019/10/1</a:t>
+              <a:t>2019/10/17</a:t>
             </a:fld>
             <a:endParaRPr kumimoji="1" lang="ja-JP" altLang="en-US"/>
           </a:p>
@@ -609,7 +610,7 @@
           <a:p>
             <a:fld id="{4181B4E1-E239-CB4B-9B56-04666A137A9E}" type="datetimeFigureOut">
               <a:rPr kumimoji="1" lang="ja-JP" altLang="en-US" smtClean="0"/>
-              <a:t>2019/10/1</a:t>
+              <a:t>2019/10/17</a:t>
             </a:fld>
             <a:endParaRPr kumimoji="1" lang="ja-JP" altLang="en-US"/>
           </a:p>
@@ -787,7 +788,7 @@
           <a:p>
             <a:fld id="{4181B4E1-E239-CB4B-9B56-04666A137A9E}" type="datetimeFigureOut">
               <a:rPr kumimoji="1" lang="ja-JP" altLang="en-US" smtClean="0"/>
-              <a:t>2019/10/1</a:t>
+              <a:t>2019/10/17</a:t>
             </a:fld>
             <a:endParaRPr kumimoji="1" lang="ja-JP" altLang="en-US"/>
           </a:p>
@@ -1068,7 +1069,7 @@
           <a:p>
             <a:fld id="{4181B4E1-E239-CB4B-9B56-04666A137A9E}" type="datetimeFigureOut">
               <a:rPr kumimoji="1" lang="ja-JP" altLang="en-US" smtClean="0"/>
-              <a:t>2019/10/1</a:t>
+              <a:t>2019/10/17</a:t>
             </a:fld>
             <a:endParaRPr kumimoji="1" lang="ja-JP" altLang="en-US"/>
           </a:p>
@@ -1316,7 +1317,7 @@
           <a:p>
             <a:fld id="{4181B4E1-E239-CB4B-9B56-04666A137A9E}" type="datetimeFigureOut">
               <a:rPr kumimoji="1" lang="ja-JP" altLang="en-US" smtClean="0"/>
-              <a:t>2019/10/1</a:t>
+              <a:t>2019/10/17</a:t>
             </a:fld>
             <a:endParaRPr kumimoji="1" lang="ja-JP" altLang="en-US"/>
           </a:p>
@@ -1773,7 +1774,7 @@
           <a:p>
             <a:fld id="{4181B4E1-E239-CB4B-9B56-04666A137A9E}" type="datetimeFigureOut">
               <a:rPr kumimoji="1" lang="ja-JP" altLang="en-US" smtClean="0"/>
-              <a:t>2019/10/1</a:t>
+              <a:t>2019/10/17</a:t>
             </a:fld>
             <a:endParaRPr kumimoji="1" lang="ja-JP" altLang="en-US"/>
           </a:p>
@@ -1891,7 +1892,7 @@
           <a:p>
             <a:fld id="{4181B4E1-E239-CB4B-9B56-04666A137A9E}" type="datetimeFigureOut">
               <a:rPr kumimoji="1" lang="ja-JP" altLang="en-US" smtClean="0"/>
-              <a:t>2019/10/1</a:t>
+              <a:t>2019/10/17</a:t>
             </a:fld>
             <a:endParaRPr kumimoji="1" lang="ja-JP" altLang="en-US"/>
           </a:p>
@@ -1986,7 +1987,7 @@
           <a:p>
             <a:fld id="{4181B4E1-E239-CB4B-9B56-04666A137A9E}" type="datetimeFigureOut">
               <a:rPr kumimoji="1" lang="ja-JP" altLang="en-US" smtClean="0"/>
-              <a:t>2019/10/1</a:t>
+              <a:t>2019/10/17</a:t>
             </a:fld>
             <a:endParaRPr kumimoji="1" lang="ja-JP" altLang="en-US"/>
           </a:p>
@@ -2308,7 +2309,7 @@
           <a:p>
             <a:fld id="{4181B4E1-E239-CB4B-9B56-04666A137A9E}" type="datetimeFigureOut">
               <a:rPr kumimoji="1" lang="ja-JP" altLang="en-US" smtClean="0"/>
-              <a:t>2019/10/1</a:t>
+              <a:t>2019/10/17</a:t>
             </a:fld>
             <a:endParaRPr kumimoji="1" lang="ja-JP" altLang="en-US"/>
           </a:p>
@@ -2602,7 +2603,7 @@
           <a:p>
             <a:fld id="{4181B4E1-E239-CB4B-9B56-04666A137A9E}" type="datetimeFigureOut">
               <a:rPr kumimoji="1" lang="ja-JP" altLang="en-US" smtClean="0"/>
-              <a:t>2019/10/1</a:t>
+              <a:t>2019/10/17</a:t>
             </a:fld>
             <a:endParaRPr kumimoji="1" lang="ja-JP" altLang="en-US"/>
           </a:p>
@@ -2823,7 +2824,7 @@
           <a:p>
             <a:fld id="{4181B4E1-E239-CB4B-9B56-04666A137A9E}" type="datetimeFigureOut">
               <a:rPr kumimoji="1" lang="ja-JP" altLang="en-US" smtClean="0"/>
-              <a:t>2019/10/1</a:t>
+              <a:t>2019/10/17</a:t>
             </a:fld>
             <a:endParaRPr kumimoji="1" lang="ja-JP" altLang="en-US"/>
           </a:p>
@@ -3427,6 +3428,242 @@
 </p:sld>
 </file>
 
+<file path=ppt/slides/slide2.xml><?xml version="1.0" encoding="utf-8"?>
+<p:sld xmlns:a="http://schemas.openxmlformats.org/drawingml/2006/main" xmlns:r="http://schemas.openxmlformats.org/officeDocument/2006/relationships" xmlns:p="http://schemas.openxmlformats.org/presentationml/2006/main">
+  <p:cSld>
+    <p:spTree>
+      <p:nvGrpSpPr>
+        <p:cNvPr id="1" name=""/>
+        <p:cNvGrpSpPr/>
+        <p:nvPr/>
+      </p:nvGrpSpPr>
+      <p:grpSpPr>
+        <a:xfrm>
+          <a:off x="0" y="0"/>
+          <a:ext cx="0" cy="0"/>
+          <a:chOff x="0" y="0"/>
+          <a:chExt cx="0" cy="0"/>
+        </a:xfrm>
+      </p:grpSpPr>
+      <p:sp>
+        <p:nvSpPr>
+          <p:cNvPr id="5" name="正方形/長方形 4">
+            <a:extLst>
+              <a:ext uri="{FF2B5EF4-FFF2-40B4-BE49-F238E27FC236}">
+                <a16:creationId xmlns:a16="http://schemas.microsoft.com/office/drawing/2014/main" id="{F446889A-C329-0E45-983D-3BA5BAD8EEB0}"/>
+              </a:ext>
+            </a:extLst>
+          </p:cNvPr>
+          <p:cNvSpPr/>
+          <p:nvPr/>
+        </p:nvSpPr>
+        <p:spPr>
+          <a:xfrm>
+            <a:off x="-1" y="0"/>
+            <a:ext cx="9944101" cy="21528088"/>
+          </a:xfrm>
+          <a:prstGeom prst="rect">
+            <a:avLst/>
+          </a:prstGeom>
+          <a:solidFill>
+            <a:schemeClr val="bg1"/>
+          </a:solidFill>
+          <a:ln>
+            <a:noFill/>
+          </a:ln>
+        </p:spPr>
+        <p:style>
+          <a:lnRef idx="2">
+            <a:schemeClr val="accent1">
+              <a:shade val="50000"/>
+            </a:schemeClr>
+          </a:lnRef>
+          <a:fillRef idx="1">
+            <a:schemeClr val="accent1"/>
+          </a:fillRef>
+          <a:effectRef idx="0">
+            <a:schemeClr val="accent1"/>
+          </a:effectRef>
+          <a:fontRef idx="minor">
+            <a:schemeClr val="lt1"/>
+          </a:fontRef>
+        </p:style>
+        <p:txBody>
+          <a:bodyPr rtlCol="0" anchor="ctr"/>
+          <a:lstStyle/>
+          <a:p>
+            <a:pPr algn="ctr"/>
+            <a:endParaRPr kumimoji="1" lang="ja-JP" altLang="en-US"/>
+          </a:p>
+        </p:txBody>
+      </p:sp>
+      <p:sp>
+        <p:nvSpPr>
+          <p:cNvPr id="12" name="正方形/長方形 11">
+            <a:extLst>
+              <a:ext uri="{FF2B5EF4-FFF2-40B4-BE49-F238E27FC236}">
+                <a16:creationId xmlns:a16="http://schemas.microsoft.com/office/drawing/2014/main" id="{35F8A2E0-2E72-524A-9397-3C7F2F696C27}"/>
+              </a:ext>
+            </a:extLst>
+          </p:cNvPr>
+          <p:cNvSpPr/>
+          <p:nvPr/>
+        </p:nvSpPr>
+        <p:spPr>
+          <a:xfrm>
+            <a:off x="-1" y="9387840"/>
+            <a:ext cx="9944101" cy="12140248"/>
+          </a:xfrm>
+          <a:prstGeom prst="rect">
+            <a:avLst/>
+          </a:prstGeom>
+          <a:solidFill>
+            <a:srgbClr val="949494"/>
+          </a:solidFill>
+          <a:ln>
+            <a:noFill/>
+          </a:ln>
+        </p:spPr>
+        <p:style>
+          <a:lnRef idx="2">
+            <a:schemeClr val="accent1">
+              <a:shade val="50000"/>
+            </a:schemeClr>
+          </a:lnRef>
+          <a:fillRef idx="1">
+            <a:schemeClr val="accent1"/>
+          </a:fillRef>
+          <a:effectRef idx="0">
+            <a:schemeClr val="accent1"/>
+          </a:effectRef>
+          <a:fontRef idx="minor">
+            <a:schemeClr val="lt1"/>
+          </a:fontRef>
+        </p:style>
+        <p:txBody>
+          <a:bodyPr rtlCol="0" anchor="ctr"/>
+          <a:lstStyle/>
+          <a:p>
+            <a:pPr algn="ctr"/>
+            <a:endParaRPr kumimoji="1" lang="ja-JP" altLang="en-US"/>
+          </a:p>
+        </p:txBody>
+      </p:sp>
+      <p:sp>
+        <p:nvSpPr>
+          <p:cNvPr id="13" name="円/楕円 12">
+            <a:extLst>
+              <a:ext uri="{FF2B5EF4-FFF2-40B4-BE49-F238E27FC236}">
+                <a16:creationId xmlns:a16="http://schemas.microsoft.com/office/drawing/2014/main" id="{3A972651-964F-E043-8AB2-D986B6BAD8E3}"/>
+              </a:ext>
+            </a:extLst>
+          </p:cNvPr>
+          <p:cNvSpPr/>
+          <p:nvPr/>
+        </p:nvSpPr>
+        <p:spPr>
+          <a:xfrm>
+            <a:off x="1" y="7721600"/>
+            <a:ext cx="9944100" cy="3454400"/>
+          </a:xfrm>
+          <a:prstGeom prst="ellipse">
+            <a:avLst/>
+          </a:prstGeom>
+          <a:solidFill>
+            <a:srgbClr val="949494"/>
+          </a:solidFill>
+          <a:ln>
+            <a:noFill/>
+          </a:ln>
+        </p:spPr>
+        <p:style>
+          <a:lnRef idx="2">
+            <a:schemeClr val="accent1">
+              <a:shade val="50000"/>
+            </a:schemeClr>
+          </a:lnRef>
+          <a:fillRef idx="1">
+            <a:schemeClr val="accent1"/>
+          </a:fillRef>
+          <a:effectRef idx="0">
+            <a:schemeClr val="accent1"/>
+          </a:effectRef>
+          <a:fontRef idx="minor">
+            <a:schemeClr val="lt1"/>
+          </a:fontRef>
+        </p:style>
+        <p:txBody>
+          <a:bodyPr rtlCol="0" anchor="ctr"/>
+          <a:lstStyle/>
+          <a:p>
+            <a:pPr algn="ctr"/>
+            <a:endParaRPr kumimoji="1" lang="ja-JP" altLang="en-US"/>
+          </a:p>
+        </p:txBody>
+      </p:sp>
+      <p:sp>
+        <p:nvSpPr>
+          <p:cNvPr id="3" name="正方形/長方形 2">
+            <a:extLst>
+              <a:ext uri="{FF2B5EF4-FFF2-40B4-BE49-F238E27FC236}">
+                <a16:creationId xmlns:a16="http://schemas.microsoft.com/office/drawing/2014/main" id="{76D43FEE-6BD8-F147-977B-35F1CF912814}"/>
+              </a:ext>
+            </a:extLst>
+          </p:cNvPr>
+          <p:cNvSpPr/>
+          <p:nvPr/>
+        </p:nvSpPr>
+        <p:spPr>
+          <a:xfrm>
+            <a:off x="-1" y="0"/>
+            <a:ext cx="9944101" cy="21528088"/>
+          </a:xfrm>
+          <a:prstGeom prst="rect">
+            <a:avLst/>
+          </a:prstGeom>
+          <a:noFill/>
+          <a:ln>
+            <a:noFill/>
+          </a:ln>
+        </p:spPr>
+        <p:style>
+          <a:lnRef idx="2">
+            <a:schemeClr val="accent1">
+              <a:shade val="50000"/>
+            </a:schemeClr>
+          </a:lnRef>
+          <a:fillRef idx="1">
+            <a:schemeClr val="accent1"/>
+          </a:fillRef>
+          <a:effectRef idx="0">
+            <a:schemeClr val="accent1"/>
+          </a:effectRef>
+          <a:fontRef idx="minor">
+            <a:schemeClr val="lt1"/>
+          </a:fontRef>
+        </p:style>
+        <p:txBody>
+          <a:bodyPr rtlCol="0" anchor="ctr"/>
+          <a:lstStyle/>
+          <a:p>
+            <a:pPr algn="ctr"/>
+            <a:endParaRPr kumimoji="1" lang="ja-JP" altLang="en-US"/>
+          </a:p>
+        </p:txBody>
+      </p:sp>
+    </p:spTree>
+    <p:extLst>
+      <p:ext uri="{BB962C8B-B14F-4D97-AF65-F5344CB8AC3E}">
+        <p14:creationId xmlns:p14="http://schemas.microsoft.com/office/powerpoint/2010/main" val="1771212965"/>
+      </p:ext>
+    </p:extLst>
+  </p:cSld>
+  <p:clrMapOvr>
+    <a:masterClrMapping/>
+  </p:clrMapOvr>
+</p:sld>
+</file>
+
 <file path=ppt/theme/theme1.xml><?xml version="1.0" encoding="utf-8"?>
 <a:theme xmlns:a="http://schemas.openxmlformats.org/drawingml/2006/main" name="Office テーマ">
   <a:themeElements>
